--- a/docs/Дипломна_Работа_62620113.pptx
+++ b/docs/Дипломна_Работа_62620113.pptx
@@ -5,10 +5,10 @@
     <p:sldMasterId id="2147483965" r:id="rId1"/>
   </p:sldMasterIdLst>
   <p:notesMasterIdLst>
-    <p:notesMasterId r:id="rId19"/>
+    <p:notesMasterId r:id="rId20"/>
   </p:notesMasterIdLst>
   <p:handoutMasterIdLst>
-    <p:handoutMasterId r:id="rId20"/>
+    <p:handoutMasterId r:id="rId21"/>
   </p:handoutMasterIdLst>
   <p:sldIdLst>
     <p:sldId id="256" r:id="rId2"/>
@@ -25,9 +25,10 @@
     <p:sldId id="274" r:id="rId13"/>
     <p:sldId id="277" r:id="rId14"/>
     <p:sldId id="279" r:id="rId15"/>
-    <p:sldId id="278" r:id="rId16"/>
-    <p:sldId id="262" r:id="rId17"/>
-    <p:sldId id="265" r:id="rId18"/>
+    <p:sldId id="281" r:id="rId16"/>
+    <p:sldId id="280" r:id="rId17"/>
+    <p:sldId id="262" r:id="rId18"/>
+    <p:sldId id="265" r:id="rId19"/>
   </p:sldIdLst>
   <p:sldSz cx="12192000" cy="6858000"/>
   <p:notesSz cx="6858000" cy="9144000"/>
@@ -129,12 +130,16 @@
   <p:extLst>
     <p:ext uri="{521415D9-36F7-43E2-AB2F-B90AF26B5E84}">
       <p14:sectionLst xmlns:p14="http://schemas.microsoft.com/office/powerpoint/2010/main">
-        <p14:section name="Default Section" id="{682E7B88-1ECC-4603-AA98-F2BBC763C6F4}">
+        <p14:section name="Увод и анализ" id="{682E7B88-1ECC-4603-AA98-F2BBC763C6F4}">
           <p14:sldIdLst>
             <p14:sldId id="256"/>
             <p14:sldId id="257"/>
             <p14:sldId id="259"/>
             <p14:sldId id="260"/>
+          </p14:sldIdLst>
+        </p14:section>
+        <p14:section name="Основни модули и действие" id="{6CFE33ED-EBA7-40FE-8D8C-F97BA978ADF8}">
+          <p14:sldIdLst>
             <p14:sldId id="268"/>
             <p14:sldId id="269"/>
             <p14:sldId id="270"/>
@@ -143,9 +148,22 @@
             <p14:sldId id="276"/>
             <p14:sldId id="275"/>
             <p14:sldId id="274"/>
+          </p14:sldIdLst>
+        </p14:section>
+        <p14:section name="Доп. модули" id="{5F0D7D25-7831-4E99-A98C-490B71CFFB45}">
+          <p14:sldIdLst>
             <p14:sldId id="277"/>
             <p14:sldId id="279"/>
-            <p14:sldId id="278"/>
+            <p14:sldId id="281"/>
+          </p14:sldIdLst>
+        </p14:section>
+        <p14:section name="Анализ на уязвимости" id="{C63B09EA-A18B-492D-AB70-D47C75A11913}">
+          <p14:sldIdLst>
+            <p14:sldId id="280"/>
+          </p14:sldIdLst>
+        </p14:section>
+        <p14:section name="Заключение" id="{8C545143-7BDA-431B-BA06-803AA6102945}">
+          <p14:sldIdLst>
             <p14:sldId id="262"/>
             <p14:sldId id="265"/>
           </p14:sldIdLst>
@@ -859,7 +877,7 @@
           <a:p>
             <a:r>
               <a:rPr lang="bg-BG" dirty="0"/>
-              <a:t>По време на санирането се извлича информация чрез сравняване на </a:t>
+              <a:t>Обработването става чрез извличане на информация от съответният </a:t>
             </a:r>
             <a:r>
               <a:rPr lang="en-US" dirty="0"/>
@@ -867,23 +885,69 @@
             </a:r>
             <a:r>
               <a:rPr lang="bg-BG" dirty="0"/>
-              <a:t>структурата на определеният ден към очакваната.</a:t>
+              <a:t>код.</a:t>
             </a:r>
           </a:p>
           <a:p>
             <a:r>
               <a:rPr lang="bg-BG" dirty="0"/>
-              <a:t>Съществуват 3 вида структури – ден с лекции, ден без лекции и допълнителна – лекционна (лекции и занятия се ползват с еднакво значение). </a:t>
-            </a:r>
-          </a:p>
-          <a:p>
+              <a:t>В резултат данните се съхраняват в два обекта – </a:t>
+            </a:r>
+            <a:r>
+              <a:rPr lang="en-US" dirty="0"/>
+              <a:t>Day</a:t>
+            </a:r>
             <a:r>
               <a:rPr lang="bg-BG" dirty="0"/>
-              <a:t>След намиране на правилната структура за деня, от нея се извличат всички лекции.</a:t>
-            </a:r>
-          </a:p>
-          <a:p>
-            <a:endParaRPr lang="bg-BG" dirty="0"/>
+              <a:t>, който съдържа информация за деня</a:t>
+            </a:r>
+            <a:r>
+              <a:rPr lang="en-US" dirty="0"/>
+              <a:t> </a:t>
+            </a:r>
+            <a:r>
+              <a:rPr lang="bg-BG" dirty="0"/>
+              <a:t>и</a:t>
+            </a:r>
+            <a:r>
+              <a:rPr lang="en-US" dirty="0"/>
+              <a:t> </a:t>
+            </a:r>
+            <a:r>
+              <a:rPr lang="bg-BG" dirty="0"/>
+              <a:t>списък от лекции,</a:t>
+            </a:r>
+          </a:p>
+          <a:p>
+            <a:pPr marL="0" marR="0" lvl="0" indent="0" algn="l" defTabSz="914400" rtl="0" eaLnBrk="1" fontAlgn="auto" latinLnBrk="0" hangingPunct="1">
+              <a:lnSpc>
+                <a:spcPct val="100000"/>
+              </a:lnSpc>
+              <a:spcBef>
+                <a:spcPts val="0"/>
+              </a:spcBef>
+              <a:spcAft>
+                <a:spcPts val="0"/>
+              </a:spcAft>
+              <a:buClrTx/>
+              <a:buSzTx/>
+              <a:buFontTx/>
+              <a:buNone/>
+              <a:tabLst/>
+              <a:defRPr/>
+            </a:pPr>
+            <a:r>
+              <a:rPr lang="bg-BG" dirty="0"/>
+              <a:t>И </a:t>
+            </a:r>
+            <a:r>
+              <a:rPr lang="en-US" dirty="0"/>
+              <a:t>Lecture</a:t>
+            </a:r>
+            <a:r>
+              <a:rPr lang="bg-BG" dirty="0"/>
+              <a:t>, който съдържа информацията за всяко занятие.</a:t>
+            </a:r>
           </a:p>
         </p:txBody>
       </p:sp>
@@ -969,7 +1033,13 @@
           <a:p>
             <a:r>
               <a:rPr lang="bg-BG" dirty="0"/>
-              <a:t>По време на експортирането на месечните отчети се случват три стъпки – повторна обработка на информацията, попълване на липсващи данни, записване. Повторната обработка филтрира само нужните елементи от първоначалните данни – името на занятието и класните отделения. След това те се използват за намиране на останалата налична информация – идентификационен номер на занятие, брой и вид студенти. Накрая, новата информация се записва на определени индекси, спрямо видът на студентите, в шаблонен файл. </a:t>
+              <a:t>След саниране, програмата преминава към съхранение на данните във файлове и запаметяването им в системата.</a:t>
+            </a:r>
+          </a:p>
+          <a:p>
+            <a:r>
+              <a:rPr lang="bg-BG" dirty="0"/>
+              <a:t>По време на експортирането на месечните отчети се случват три стъпки –повторна обработка на информацията, попълване на липсващи данни, записване. Повторната обработка филтрира само нужните елементи от първоначалните данни – името на занятието и класните отделения. След това те се използват за намиране на останалата информация като брой и вид студенти за съответното класно. Накрая, новата информация се записва във шаблонен файл. </a:t>
             </a:r>
           </a:p>
         </p:txBody>
@@ -1056,26 +1126,21 @@
           <a:p>
             <a:r>
               <a:rPr lang="bg-BG" dirty="0"/>
-              <a:t>След събиране на цялата нужна информация в четима структура от данни, следващият модул на програмата се грижи за експортирането на данните.</a:t>
-            </a:r>
-          </a:p>
-          <a:p>
+              <a:t>Седмичните справки съдържат по-малко логика. Данните не се преработват отново, а директно биват обходени и запазени във файл от тип </a:t>
+            </a:r>
+            <a:r>
+              <a:rPr lang="en-US" dirty="0"/>
+              <a:t>.docx (Word) </a:t>
+            </a:r>
             <a:r>
               <a:rPr lang="bg-BG" dirty="0"/>
-              <a:t>Създава се нов тип от желаният краен файл и информацията се попълва за всеки ден и лекция, след което, в случаят на </a:t>
+              <a:t>или </a:t>
             </a:r>
             <a:r>
               <a:rPr lang="en-US" dirty="0"/>
-              <a:t>.</a:t>
-            </a:r>
-            <a:r>
-              <a:rPr lang="en-US" dirty="0" err="1"/>
-              <a:t>doxc</a:t>
-            </a:r>
-            <a:r>
-              <a:rPr lang="bg-BG" dirty="0"/>
-              <a:t> разширение, се стилизира целият файл за по-лесна четливост. </a:t>
-            </a:r>
+              <a:t>.txt.</a:t>
+            </a:r>
+            <a:endParaRPr lang="bg-BG" dirty="0"/>
           </a:p>
         </p:txBody>
       </p:sp>
@@ -1159,9 +1224,42 @@
           <a:bodyPr/>
           <a:lstStyle/>
           <a:p>
+            <a:pPr marL="0" marR="0" lvl="0" indent="0" algn="l" defTabSz="914400" rtl="0" eaLnBrk="1" fontAlgn="auto" latinLnBrk="0" hangingPunct="1">
+              <a:lnSpc>
+                <a:spcPct val="100000"/>
+              </a:lnSpc>
+              <a:spcBef>
+                <a:spcPts val="0"/>
+              </a:spcBef>
+              <a:spcAft>
+                <a:spcPts val="0"/>
+              </a:spcAft>
+              <a:buClrTx/>
+              <a:buSzTx/>
+              <a:buFontTx/>
+              <a:buNone/>
+              <a:tabLst/>
+              <a:defRPr/>
+            </a:pPr>
             <a:r>
               <a:rPr lang="bg-BG" dirty="0"/>
-              <a:t>Конфигурацията на програмата се грижи за запазването на избраните данни, улеснявайки повторното използването на програмата. </a:t>
+              <a:t>Това бяха на кратко основните стъпки за изпълнение. Съществуват и допълнителни модули като конфигурационният, който се грижи за запазването на избраните данни, улеснявайки повторното използването на програмата. </a:t>
+            </a:r>
+            <a:r>
+              <a:rPr lang="bg-BG" dirty="0" err="1"/>
+              <a:t>Логинг</a:t>
+            </a:r>
+            <a:r>
+              <a:rPr lang="bg-BG" dirty="0"/>
+              <a:t> модулът, който записва информация за всички действия, които се случват по време на изпълнението на програмата. Чрез него могат да се идентифицират проблеми в реална среда. Последната важна част е </a:t>
+            </a:r>
+            <a:r>
+              <a:rPr lang="bg-BG" dirty="0" err="1"/>
+              <a:t>компилационната</a:t>
+            </a:r>
+            <a:r>
+              <a:rPr lang="bg-BG" dirty="0"/>
+              <a:t>, която позволява превръщането всички модули в изпълнима програма. Освен тях съществуват и няколко други модула, който са технически подробности, затова няма да бъдат разглеждани в презентацията.</a:t>
             </a:r>
           </a:p>
         </p:txBody>
@@ -1246,9 +1344,42 @@
           <a:bodyPr/>
           <a:lstStyle/>
           <a:p>
+            <a:pPr marL="0" marR="0" lvl="0" indent="0" algn="l" defTabSz="914400" rtl="0" eaLnBrk="1" fontAlgn="auto" latinLnBrk="0" hangingPunct="1">
+              <a:lnSpc>
+                <a:spcPct val="100000"/>
+              </a:lnSpc>
+              <a:spcBef>
+                <a:spcPts val="0"/>
+              </a:spcBef>
+              <a:spcAft>
+                <a:spcPts val="0"/>
+              </a:spcAft>
+              <a:buClrTx/>
+              <a:buSzTx/>
+              <a:buFontTx/>
+              <a:buNone/>
+              <a:tabLst/>
+              <a:defRPr/>
+            </a:pPr>
             <a:r>
               <a:rPr lang="bg-BG" dirty="0"/>
-              <a:t>Конфигурацията на програмата се грижи за запазването на избраните данни, улеснявайки повторното използването на програмата. </a:t>
+              <a:t>Това бяха на кратко основните стъпки за изпълнение. Съществуват и допълнителни модули като конфигурационният, който се грижи за запазването на избраните данни, улеснявайки повторното използването на програмата. </a:t>
+            </a:r>
+            <a:r>
+              <a:rPr lang="bg-BG" dirty="0" err="1"/>
+              <a:t>Логинг</a:t>
+            </a:r>
+            <a:r>
+              <a:rPr lang="bg-BG" dirty="0"/>
+              <a:t> модулът, който записва информация за всички действия, които се случват по време на изпълнението на програмата. Чрез него могат да се идентифицират проблеми в реална среда. Последната важна част е </a:t>
+            </a:r>
+            <a:r>
+              <a:rPr lang="bg-BG" dirty="0" err="1"/>
+              <a:t>компилационната</a:t>
+            </a:r>
+            <a:r>
+              <a:rPr lang="bg-BG" dirty="0"/>
+              <a:t>, която позволява превръщането всички модули в изпълнима програма. Освен тях съществуват и няколко други модула, който са технически подробности, затова няма да бъдат разглеждани в презентацията.</a:t>
             </a:r>
           </a:p>
         </p:txBody>
@@ -1333,67 +1464,42 @@
           <a:bodyPr/>
           <a:lstStyle/>
           <a:p>
+            <a:pPr marL="0" marR="0" lvl="0" indent="0" algn="l" defTabSz="914400" rtl="0" eaLnBrk="1" fontAlgn="auto" latinLnBrk="0" hangingPunct="1">
+              <a:lnSpc>
+                <a:spcPct val="100000"/>
+              </a:lnSpc>
+              <a:spcBef>
+                <a:spcPts val="0"/>
+              </a:spcBef>
+              <a:spcAft>
+                <a:spcPts val="0"/>
+              </a:spcAft>
+              <a:buClrTx/>
+              <a:buSzTx/>
+              <a:buFontTx/>
+              <a:buNone/>
+              <a:tabLst/>
+              <a:defRPr/>
+            </a:pPr>
             <a:r>
               <a:rPr lang="bg-BG" dirty="0"/>
-              <a:t>Проектът събира всички показани модули и създава изпълнима програма чрез модулът </a:t>
-            </a:r>
-            <a:r>
-              <a:rPr lang="en-US" dirty="0" err="1"/>
-              <a:t>pyinstaller</a:t>
-            </a:r>
-            <a:r>
-              <a:rPr lang="en-US" dirty="0"/>
-              <a:t>.</a:t>
+              <a:t>Това бяха на кратко основните стъпки за изпълнение. Съществуват и допълнителни модули като конфигурационният, който се грижи за запазването на избраните данни, улеснявайки повторното използването на програмата. </a:t>
+            </a:r>
+            <a:r>
+              <a:rPr lang="bg-BG" dirty="0" err="1"/>
+              <a:t>Логинг</a:t>
             </a:r>
             <a:r>
               <a:rPr lang="bg-BG" dirty="0"/>
-              <a:t> </a:t>
-            </a:r>
-          </a:p>
-          <a:p>
+              <a:t> модулът, който записва информация за всички действия, които се случват по време на изпълнението на програмата. Чрез него могат да се идентифицират проблеми в реална среда. Последната важна част е </a:t>
+            </a:r>
+            <a:r>
+              <a:rPr lang="bg-BG" dirty="0" err="1"/>
+              <a:t>компилационната</a:t>
+            </a:r>
             <a:r>
               <a:rPr lang="bg-BG" dirty="0"/>
-              <a:t>Показан е скриптът, който се използва по време на компилация. Основните аргументи са </a:t>
-            </a:r>
-            <a:r>
-              <a:rPr lang="en-US" dirty="0"/>
-              <a:t>–</a:t>
-            </a:r>
-            <a:r>
-              <a:rPr lang="en-US" dirty="0" err="1"/>
-              <a:t>onefile</a:t>
-            </a:r>
-            <a:r>
-              <a:rPr lang="en-US" dirty="0"/>
-              <a:t> &amp; --</a:t>
-            </a:r>
-            <a:r>
-              <a:rPr lang="en-US" dirty="0" err="1"/>
-              <a:t>noconsole</a:t>
-            </a:r>
-            <a:r>
-              <a:rPr lang="en-US" dirty="0"/>
-              <a:t>. </a:t>
-            </a:r>
-            <a:r>
-              <a:rPr lang="en-US" dirty="0" err="1"/>
-              <a:t>Onefile</a:t>
-            </a:r>
-            <a:r>
-              <a:rPr lang="en-US" dirty="0"/>
-              <a:t> </a:t>
-            </a:r>
-            <a:r>
-              <a:rPr lang="bg-BG" dirty="0"/>
-              <a:t>позволява създаването на единична програма, в която са комбинирани всички нужни файлове. Не присъстват допълнителни файлове, който са нужни за стартирането на програмата, което улеснява разпространението и. </a:t>
-            </a:r>
-            <a:r>
-              <a:rPr lang="en-US" dirty="0" err="1"/>
-              <a:t>Noconsole</a:t>
-            </a:r>
-            <a:r>
-              <a:rPr lang="bg-BG" dirty="0"/>
-              <a:t> премахва конзолата, която е стандартно видима при създаването на програма по този начин. Останалите аргументи задават козметични и структурни променливи.</a:t>
+              <a:t>, която позволява превръщането всички модули в изпълнима програма. Освен тях съществуват и няколко други модула, който са технически подробности, затова няма да бъдат разглеждани в презентацията.</a:t>
             </a:r>
           </a:p>
         </p:txBody>
@@ -1424,7 +1530,7 @@
     </p:spTree>
     <p:extLst>
       <p:ext uri="{BB962C8B-B14F-4D97-AF65-F5344CB8AC3E}">
-        <p14:creationId xmlns:p14="http://schemas.microsoft.com/office/powerpoint/2010/main" val="2036551048"/>
+        <p14:creationId xmlns:p14="http://schemas.microsoft.com/office/powerpoint/2010/main" val="3410245689"/>
       </p:ext>
     </p:extLst>
   </p:cSld>
@@ -1480,64 +1586,34 @@
           <a:p>
             <a:r>
               <a:rPr lang="bg-BG" dirty="0"/>
-              <a:t>В резултат на този проект е създадена програма със следните възможности:</a:t>
+              <a:t>След създаване на основата функционалност на проекта е направен анализ на уязвимостите.</a:t>
             </a:r>
           </a:p>
           <a:p>
             <a:r>
               <a:rPr lang="bg-BG" dirty="0"/>
-              <a:t>Създаване на месечни отчети с частична пълнота, висока точност и бързодействие около 1.32 сек. </a:t>
+              <a:t>Теоретично са разгледани възможните атаки, към които програмата може да бъде уязвима. </a:t>
             </a:r>
           </a:p>
           <a:p>
             <a:r>
               <a:rPr lang="bg-BG" dirty="0"/>
-              <a:t>Въпреки липсата на пълно попълване на отчета, времето, което се спестява в един месец е значително когато се умножи по броят на преподавателският състав. Също така, при пълно наличие на нужните данни, пълнотата и точността могат да бъдат максимални.</a:t>
-            </a:r>
-          </a:p>
-          <a:p>
-            <a:endParaRPr lang="bg-BG" dirty="0"/>
-          </a:p>
-          <a:p>
+              <a:t>Практически са използвани инструменти за сканиране на уязвимости в написаният код и използваните модули на </a:t>
+            </a:r>
+            <a:r>
+              <a:rPr lang="en-US" dirty="0"/>
+              <a:t>Python</a:t>
+            </a:r>
             <a:r>
               <a:rPr lang="bg-BG" dirty="0"/>
-              <a:t>Освен основната си функция, програмата може да създава седмични програми в удобен и преносим вид.</a:t>
+              <a:t>.</a:t>
             </a:r>
           </a:p>
           <a:p>
             <a:r>
               <a:rPr lang="bg-BG" dirty="0"/>
-              <a:t>Освен за преподаватели, тук могат да бъдат създавани и програми за студенти и стаи. По този начин всеки член на университета може да държи в себе си удобен файл със седмичните си програми, а по желание същите могат да бъдат разпечатани в стаите.</a:t>
-            </a:r>
-          </a:p>
-          <a:p>
-            <a:endParaRPr lang="bg-BG" dirty="0"/>
-          </a:p>
-          <a:p>
-            <a:r>
-              <a:rPr lang="bg-BG" dirty="0"/>
-              <a:t>Последно е направен анализ на възможните уязвимости, като такива не са намерени.</a:t>
-            </a:r>
-          </a:p>
-          <a:p>
-            <a:endParaRPr lang="bg-BG" dirty="0"/>
-          </a:p>
-          <a:p>
-            <a:r>
-              <a:rPr lang="bg-BG" dirty="0"/>
-              <a:t>Изследвани са и допълни възможности за разрастване на програмата. Като допълнение може да бъде създадена мобилна или уеб версия за по-висока </a:t>
-            </a:r>
-            <a:r>
-              <a:rPr lang="bg-BG" dirty="0" err="1"/>
-              <a:t>портативност</a:t>
-            </a:r>
-            <a:r>
-              <a:rPr lang="bg-BG" dirty="0"/>
-              <a:t>, както и да се увеличат броят поддържани формати.</a:t>
-            </a:r>
-          </a:p>
-          <a:p>
-            <a:endParaRPr lang="bg-BG" dirty="0"/>
+              <a:t>В резултат не са намерени съществуващи проблеми и е заключено, че основната уязвимост на проекта би дошла от човешка грешка и сдобиване с програмата от трето лице.</a:t>
+            </a:r>
           </a:p>
         </p:txBody>
       </p:sp>
@@ -1567,7 +1643,7 @@
     </p:spTree>
     <p:extLst>
       <p:ext uri="{BB962C8B-B14F-4D97-AF65-F5344CB8AC3E}">
-        <p14:creationId xmlns:p14="http://schemas.microsoft.com/office/powerpoint/2010/main" val="3412907848"/>
+        <p14:creationId xmlns:p14="http://schemas.microsoft.com/office/powerpoint/2010/main" val="1208027756"/>
       </p:ext>
     </p:extLst>
   </p:cSld>
@@ -1623,8 +1699,64 @@
           <a:p>
             <a:r>
               <a:rPr lang="bg-BG" dirty="0"/>
-              <a:t>Въпроси ???</a:t>
-            </a:r>
+              <a:t>В резултат на този проект е създадена програма със следните възможности:</a:t>
+            </a:r>
+          </a:p>
+          <a:p>
+            <a:r>
+              <a:rPr lang="bg-BG" dirty="0"/>
+              <a:t>Създаване на месечни отчети с частична пълнота, висока точност и бързодействие около 1.32 сек. </a:t>
+            </a:r>
+          </a:p>
+          <a:p>
+            <a:r>
+              <a:rPr lang="bg-BG" dirty="0"/>
+              <a:t>Въпреки липсата на пълно попълване на отчета, времето, което се спестява в един месец е значително когато се умножи по броят на преподавателският състав. Също така, при пълно наличие на нужните данни, пълнотата и точността могат да бъдат максимални.</a:t>
+            </a:r>
+          </a:p>
+          <a:p>
+            <a:endParaRPr lang="bg-BG" dirty="0"/>
+          </a:p>
+          <a:p>
+            <a:r>
+              <a:rPr lang="bg-BG" dirty="0"/>
+              <a:t>Освен основната си функция, програмата може да създава седмични програми в удобен и преносим вид.</a:t>
+            </a:r>
+          </a:p>
+          <a:p>
+            <a:r>
+              <a:rPr lang="bg-BG" dirty="0"/>
+              <a:t>Освен за преподаватели, тук могат да бъдат създавани и програми за студенти и стаи. По този начин всеки член на университета може да държи в себе си удобен файл със седмичните си програми, а по желание същите могат да бъдат разпечатани в стаите.</a:t>
+            </a:r>
+          </a:p>
+          <a:p>
+            <a:endParaRPr lang="bg-BG" dirty="0"/>
+          </a:p>
+          <a:p>
+            <a:r>
+              <a:rPr lang="bg-BG" dirty="0"/>
+              <a:t>Последно е направен анализ на възможните уязвимости, като такива не са намерени.</a:t>
+            </a:r>
+          </a:p>
+          <a:p>
+            <a:endParaRPr lang="bg-BG" dirty="0"/>
+          </a:p>
+          <a:p>
+            <a:r>
+              <a:rPr lang="bg-BG" dirty="0"/>
+              <a:t>Изследвани са и допълни възможности за разрастване на програмата. Като допълнение може да бъде създадена мобилна или уеб версия за по-висока </a:t>
+            </a:r>
+            <a:r>
+              <a:rPr lang="bg-BG" dirty="0" err="1"/>
+              <a:t>портативност</a:t>
+            </a:r>
+            <a:r>
+              <a:rPr lang="bg-BG" dirty="0"/>
+              <a:t>, както и да се увеличат броят поддържани формати.</a:t>
+            </a:r>
+          </a:p>
+          <a:p>
+            <a:endParaRPr lang="bg-BG" dirty="0"/>
           </a:p>
         </p:txBody>
       </p:sp>
@@ -1646,6 +1778,93 @@
             <a:fld id="{E13BD014-FB77-415C-AFC5-9C85DDE25141}" type="slidenum">
               <a:rPr lang="en-US" smtClean="0"/>
               <a:t>17</a:t>
+            </a:fld>
+            <a:endParaRPr lang="en-US"/>
+          </a:p>
+        </p:txBody>
+      </p:sp>
+    </p:spTree>
+    <p:extLst>
+      <p:ext uri="{BB962C8B-B14F-4D97-AF65-F5344CB8AC3E}">
+        <p14:creationId xmlns:p14="http://schemas.microsoft.com/office/powerpoint/2010/main" val="3412907848"/>
+      </p:ext>
+    </p:extLst>
+  </p:cSld>
+  <p:clrMapOvr>
+    <a:masterClrMapping/>
+  </p:clrMapOvr>
+</p:notes>
+</file>
+
+<file path=ppt/notesSlides/notesSlide18.xml><?xml version="1.0" encoding="utf-8"?>
+<p:notes xmlns:a="http://schemas.openxmlformats.org/drawingml/2006/main" xmlns:r="http://schemas.openxmlformats.org/officeDocument/2006/relationships" xmlns:p="http://schemas.openxmlformats.org/presentationml/2006/main">
+  <p:cSld>
+    <p:spTree>
+      <p:nvGrpSpPr>
+        <p:cNvPr id="1" name=""/>
+        <p:cNvGrpSpPr/>
+        <p:nvPr/>
+      </p:nvGrpSpPr>
+      <p:grpSpPr>
+        <a:xfrm>
+          <a:off x="0" y="0"/>
+          <a:ext cx="0" cy="0"/>
+          <a:chOff x="0" y="0"/>
+          <a:chExt cx="0" cy="0"/>
+        </a:xfrm>
+      </p:grpSpPr>
+      <p:sp>
+        <p:nvSpPr>
+          <p:cNvPr id="2" name="Slide Image Placeholder 1"/>
+          <p:cNvSpPr>
+            <a:spLocks noGrp="1" noRot="1" noChangeAspect="1"/>
+          </p:cNvSpPr>
+          <p:nvPr>
+            <p:ph type="sldImg"/>
+          </p:nvPr>
+        </p:nvSpPr>
+        <p:spPr/>
+      </p:sp>
+      <p:sp>
+        <p:nvSpPr>
+          <p:cNvPr id="3" name="Notes Placeholder 2"/>
+          <p:cNvSpPr>
+            <a:spLocks noGrp="1"/>
+          </p:cNvSpPr>
+          <p:nvPr>
+            <p:ph type="body" idx="1"/>
+          </p:nvPr>
+        </p:nvSpPr>
+        <p:spPr/>
+        <p:txBody>
+          <a:bodyPr/>
+          <a:lstStyle/>
+          <a:p>
+            <a:r>
+              <a:rPr lang="bg-BG" dirty="0"/>
+              <a:t>Въпроси ???</a:t>
+            </a:r>
+          </a:p>
+        </p:txBody>
+      </p:sp>
+      <p:sp>
+        <p:nvSpPr>
+          <p:cNvPr id="4" name="Slide Number Placeholder 3"/>
+          <p:cNvSpPr>
+            <a:spLocks noGrp="1"/>
+          </p:cNvSpPr>
+          <p:nvPr>
+            <p:ph type="sldNum" sz="quarter" idx="5"/>
+          </p:nvPr>
+        </p:nvSpPr>
+        <p:spPr/>
+        <p:txBody>
+          <a:bodyPr/>
+          <a:lstStyle/>
+          <a:p>
+            <a:fld id="{E13BD014-FB77-415C-AFC5-9C85DDE25141}" type="slidenum">
+              <a:rPr lang="en-US" smtClean="0"/>
+              <a:t>18</a:t>
             </a:fld>
             <a:endParaRPr lang="en-US"/>
           </a:p>
@@ -1728,19 +1947,19 @@
           <a:p>
             <a:r>
               <a:rPr lang="bg-BG" dirty="0"/>
-              <a:t>Това означава, че това време би могло да бъде спестено ако процесът на изготвяне може да бъде автоматизиран.</a:t>
+              <a:t>Това означава, че това време би могло да бъде спестено ако процесът на изготвяне се автоматизира.</a:t>
             </a:r>
           </a:p>
           <a:p>
             <a:r>
               <a:rPr lang="bg-BG" dirty="0"/>
-              <a:t>Допълнително, тъй като проектът засяга обработката на седмични заявки може да се разреши втори проблем – създаването на удобни и преносими справки за седмичните занятия.</a:t>
+              <a:t>Допълнително, тъй като проектът засяга обработката на седмични заявки може да се разреши втори проблем – създаването на преносими справки за седмичните занятия.</a:t>
             </a:r>
           </a:p>
           <a:p>
             <a:r>
               <a:rPr lang="bg-BG" dirty="0"/>
-              <a:t>Този проект се занимава с процесът на автоматизация на съответните действия.</a:t>
+              <a:t>Този проект се занимава с процесът на автоматизация на съответните действия, както и с анализ на уязвимостите на резултатният продукт.</a:t>
             </a:r>
             <a:endParaRPr lang="en-US" dirty="0"/>
           </a:p>
@@ -1828,13 +2047,13 @@
           <a:p>
             <a:r>
               <a:rPr lang="bg-BG" dirty="0"/>
-              <a:t>На база на това проектът направени сравнение на възможните методологии за разработка.</a:t>
+              <a:t>За начало, в проектът е направени сравнение на възможните подходи за разработка.</a:t>
             </a:r>
           </a:p>
           <a:p>
             <a:r>
               <a:rPr lang="bg-BG" dirty="0"/>
-              <a:t>Сравнение са три от най-известните програмни езици – </a:t>
+              <a:t>Разгледани са три от най-известните програмни езици – </a:t>
             </a:r>
             <a:r>
               <a:rPr lang="en-US" dirty="0"/>
@@ -1842,7 +2061,7 @@
             </a:r>
             <a:r>
               <a:rPr lang="bg-BG" dirty="0"/>
-              <a:t>. За сравнение са използвани критерии като бързодействие, удобство на писане, скорост на разработка, наличие на лицензи и лично предпочитание. На тяхна база е направен избор да се работи с Питон.</a:t>
+              <a:t>. За сравнение са използвани критерии като бързодействие, удобство на писане, скорост на разработка, наличие на лицензи и лично предпочитание. На тяхна база е направен избор да се работи с Питон, като основен критерии е удобството и скоростта на разработка. Бързодействието е важно, но не е приоритетно, тъй като не са налични множество сложни математически операции.</a:t>
             </a:r>
           </a:p>
         </p:txBody>
@@ -1929,7 +2148,7 @@
           <a:p>
             <a:r>
               <a:rPr lang="bg-BG" dirty="0"/>
-              <a:t>Сравнение с другите езици, </a:t>
+              <a:t>Освен </a:t>
             </a:r>
             <a:r>
               <a:rPr lang="en-US" dirty="0"/>
@@ -1937,40 +2156,7 @@
             </a:r>
             <a:r>
               <a:rPr lang="bg-BG" dirty="0"/>
-              <a:t>не притежава същото бързодействие, но кодът, който може да бъде написан с него за създаване на </a:t>
-            </a:r>
-            <a:r>
-              <a:rPr lang="en-US" dirty="0"/>
-              <a:t>MVP</a:t>
-            </a:r>
-            <a:r>
-              <a:rPr lang="bg-BG" dirty="0"/>
-              <a:t>(прототип)</a:t>
-            </a:r>
-            <a:r>
-              <a:rPr lang="en-US" dirty="0"/>
-              <a:t> </a:t>
-            </a:r>
-            <a:r>
-              <a:rPr lang="bg-BG" dirty="0"/>
-              <a:t>е в пъти по-малък от нужният при използването на някой от другите езици. Допълнително, тъй като бързодействието не е критична част от разработката на програмата, то не е нужно да се приема с голяма тежест. Въпреки това, при нужда има начини за ускоряване на производителността.</a:t>
-            </a:r>
-          </a:p>
-          <a:p>
-            <a:endParaRPr lang="en-US" dirty="0"/>
-          </a:p>
-          <a:p>
-            <a:r>
-              <a:rPr lang="bg-BG" dirty="0"/>
-              <a:t>Използвани са </a:t>
-            </a:r>
-            <a:r>
-              <a:rPr lang="en-US" dirty="0"/>
-              <a:t>Python </a:t>
-            </a:r>
-            <a:r>
-              <a:rPr lang="bg-BG" dirty="0"/>
-              <a:t>като език за програмиране, </a:t>
+              <a:t>е използван </a:t>
             </a:r>
             <a:r>
               <a:rPr lang="en-US" dirty="0"/>
@@ -2092,13 +2278,25 @@
           <a:p>
             <a:r>
               <a:rPr lang="bg-BG" dirty="0"/>
-              <a:t>Програмата започва логически от графичният интерфейс, който е разделен на три части – отчети, справки и индекси за улеснение. </a:t>
+              <a:t>В разработката ще бъдат представени основните модули на програмата и тяхното действие.</a:t>
             </a:r>
           </a:p>
           <a:p>
             <a:r>
               <a:rPr lang="bg-BG" dirty="0"/>
-              <a:t>Дадената блок схема показва общото действие на интерфейса от начало до край на изпълнение, като удебелените правоъгълници са действия, които ще бъдат разгледани детайлно в следващите части. Интерфейса позволява попълване на нужните данни, след което се изпълнява съответното действие. След изпълнението му се показва екран за успех/грешка.</a:t>
+              <a:t>Първият от тях е графичният интерфейс.</a:t>
+            </a:r>
+          </a:p>
+          <a:p>
+            <a:r>
+              <a:rPr lang="bg-BG" dirty="0"/>
+              <a:t>Дадената блок схема показва общото действие на интерфейса от начало до край, като удебелените правоъгълници са действия, за които са отговорни другите модули. Интерфейса позволява попълване на нужните данни, след което се изпълнява съответното действие. След изпълнението му се показва екран за успех/грешка.</a:t>
+            </a:r>
+          </a:p>
+          <a:p>
+            <a:r>
+              <a:rPr lang="bg-BG" dirty="0"/>
+              <a:t>Той е разделен на три части – отчети, справки и индекси за улеснение. </a:t>
             </a:r>
           </a:p>
         </p:txBody>
@@ -2185,13 +2383,13 @@
           <a:p>
             <a:r>
               <a:rPr lang="bg-BG" dirty="0"/>
-              <a:t>Ляво – екран на месечни отчети</a:t>
+              <a:t>В ляво може да бъде видян първият екран - месечни отчети, </a:t>
             </a:r>
           </a:p>
           <a:p>
             <a:r>
               <a:rPr lang="bg-BG" dirty="0"/>
-              <a:t>Дясно – диалози при успех или провал на действие</a:t>
+              <a:t>А в дясно – диалози при успех или грешка по време на изпълнение.</a:t>
             </a:r>
           </a:p>
         </p:txBody>
@@ -2290,7 +2488,7 @@
           <a:p>
             <a:r>
               <a:rPr lang="bg-BG" dirty="0"/>
-              <a:t>Същите екрани за успех/провал са налични и тук</a:t>
+              <a:t>Същите екрани за успех/провал са налични и за седмичните програми, а индекси служат за справка по време на изпълнение.</a:t>
             </a:r>
           </a:p>
           <a:p>
@@ -2380,7 +2578,7 @@
           <a:p>
             <a:r>
               <a:rPr lang="bg-BG" dirty="0"/>
-              <a:t>След начало на действие, първата стъпка е прихващането и обработката на заявки. </a:t>
+              <a:t>След графичният интерфейс, първата стъпка по време на изпълнение е прихващането и обработката на заявки. </a:t>
             </a:r>
             <a:endParaRPr lang="en-US" dirty="0"/>
           </a:p>
@@ -2474,7 +2672,7 @@
           <a:p>
             <a:r>
               <a:rPr lang="bg-BG" dirty="0"/>
-              <a:t>По време на санирането се извлича информация чрез сравняване на </a:t>
+              <a:t>Обработването става чрез извличане на информация от съответният </a:t>
             </a:r>
             <a:r>
               <a:rPr lang="en-US" dirty="0"/>
@@ -2482,23 +2680,69 @@
             </a:r>
             <a:r>
               <a:rPr lang="bg-BG" dirty="0"/>
-              <a:t>структурата на определеният ден към очакваната.</a:t>
+              <a:t>код.</a:t>
             </a:r>
           </a:p>
           <a:p>
             <a:r>
               <a:rPr lang="bg-BG" dirty="0"/>
-              <a:t>Съществуват 3 вида структури – ден с лекции, ден без лекции и лекционна. </a:t>
-            </a:r>
-          </a:p>
-          <a:p>
+              <a:t>В резултат данните се съхраняват в два обекта – </a:t>
+            </a:r>
+            <a:r>
+              <a:rPr lang="en-US" dirty="0"/>
+              <a:t>Day</a:t>
+            </a:r>
             <a:r>
               <a:rPr lang="bg-BG" dirty="0"/>
-              <a:t>След намиране на правилната структура за деня, от нея се извличат всички лекции.</a:t>
-            </a:r>
-          </a:p>
-          <a:p>
-            <a:endParaRPr lang="bg-BG" dirty="0"/>
+              <a:t>, който съдържа информация за деня</a:t>
+            </a:r>
+            <a:r>
+              <a:rPr lang="en-US" dirty="0"/>
+              <a:t> </a:t>
+            </a:r>
+            <a:r>
+              <a:rPr lang="bg-BG" dirty="0"/>
+              <a:t>и</a:t>
+            </a:r>
+            <a:r>
+              <a:rPr lang="en-US" dirty="0"/>
+              <a:t> </a:t>
+            </a:r>
+            <a:r>
+              <a:rPr lang="bg-BG" dirty="0"/>
+              <a:t>списък от лекции,</a:t>
+            </a:r>
+          </a:p>
+          <a:p>
+            <a:pPr marL="0" marR="0" lvl="0" indent="0" algn="l" defTabSz="914400" rtl="0" eaLnBrk="1" fontAlgn="auto" latinLnBrk="0" hangingPunct="1">
+              <a:lnSpc>
+                <a:spcPct val="100000"/>
+              </a:lnSpc>
+              <a:spcBef>
+                <a:spcPts val="0"/>
+              </a:spcBef>
+              <a:spcAft>
+                <a:spcPts val="0"/>
+              </a:spcAft>
+              <a:buClrTx/>
+              <a:buSzTx/>
+              <a:buFontTx/>
+              <a:buNone/>
+              <a:tabLst/>
+              <a:defRPr/>
+            </a:pPr>
+            <a:r>
+              <a:rPr lang="bg-BG" dirty="0"/>
+              <a:t>И </a:t>
+            </a:r>
+            <a:r>
+              <a:rPr lang="en-US" dirty="0"/>
+              <a:t>Lecture</a:t>
+            </a:r>
+            <a:r>
+              <a:rPr lang="bg-BG" dirty="0"/>
+              <a:t>, който съдържа информацията за всяко занятие.</a:t>
+            </a:r>
           </a:p>
         </p:txBody>
       </p:sp>
@@ -13819,6 +14063,77 @@
           </a:p>
         </p:txBody>
       </p:sp>
+      <p:pic>
+        <p:nvPicPr>
+          <p:cNvPr id="3" name="Picture 2" descr="Text&#10;&#10;Description automatically generated">
+            <a:extLst>
+              <a:ext uri="{FF2B5EF4-FFF2-40B4-BE49-F238E27FC236}">
+                <a16:creationId xmlns:a16="http://schemas.microsoft.com/office/drawing/2014/main" id="{40E5B4EC-F233-4555-B55B-17BCA79DE233}"/>
+              </a:ext>
+            </a:extLst>
+          </p:cNvPr>
+          <p:cNvPicPr>
+            <a:picLocks noChangeAspect="1"/>
+          </p:cNvPicPr>
+          <p:nvPr/>
+        </p:nvPicPr>
+        <p:blipFill rotWithShape="1">
+          <a:blip r:embed="rId3">
+            <a:extLst>
+              <a:ext uri="{28A0092B-C50C-407E-A947-70E740481C1C}">
+                <a14:useLocalDpi xmlns:a14="http://schemas.microsoft.com/office/drawing/2010/main" val="0"/>
+              </a:ext>
+            </a:extLst>
+          </a:blip>
+          <a:srcRect r="-91" b="62160"/>
+          <a:stretch/>
+        </p:blipFill>
+        <p:spPr>
+          <a:xfrm>
+            <a:off x="1324321" y="2429932"/>
+            <a:ext cx="9419520" cy="1547648"/>
+          </a:xfrm>
+          <a:prstGeom prst="rect">
+            <a:avLst/>
+          </a:prstGeom>
+        </p:spPr>
+      </p:pic>
+      <p:pic>
+        <p:nvPicPr>
+          <p:cNvPr id="5" name="Picture 4" descr="Text&#10;&#10;Description automatically generated">
+            <a:extLst>
+              <a:ext uri="{FF2B5EF4-FFF2-40B4-BE49-F238E27FC236}">
+                <a16:creationId xmlns:a16="http://schemas.microsoft.com/office/drawing/2014/main" id="{0186582E-70CE-422C-B7D7-20A463A45856}"/>
+              </a:ext>
+            </a:extLst>
+          </p:cNvPr>
+          <p:cNvPicPr>
+            <a:picLocks noChangeAspect="1"/>
+          </p:cNvPicPr>
+          <p:nvPr/>
+        </p:nvPicPr>
+        <p:blipFill>
+          <a:blip r:embed="rId4">
+            <a:extLst>
+              <a:ext uri="{28A0092B-C50C-407E-A947-70E740481C1C}">
+                <a14:useLocalDpi xmlns:a14="http://schemas.microsoft.com/office/drawing/2010/main" val="0"/>
+              </a:ext>
+            </a:extLst>
+          </a:blip>
+          <a:stretch>
+            <a:fillRect/>
+          </a:stretch>
+        </p:blipFill>
+        <p:spPr>
+          <a:xfrm>
+            <a:off x="1295096" y="4265359"/>
+            <a:ext cx="9450670" cy="2047645"/>
+          </a:xfrm>
+          <a:prstGeom prst="rect">
+            <a:avLst/>
+          </a:prstGeom>
+        </p:spPr>
+      </p:pic>
     </p:spTree>
     <p:extLst>
       <p:ext uri="{BB962C8B-B14F-4D97-AF65-F5344CB8AC3E}">
@@ -14951,7 +15266,7 @@
         </p:nvSpPr>
         <p:spPr>
           <a:xfrm>
-            <a:off x="1324321" y="522136"/>
+            <a:off x="1324321" y="544996"/>
             <a:ext cx="3888526" cy="1800526"/>
           </a:xfrm>
           <a:prstGeom prst="rect">
@@ -15005,7 +15320,7 @@
         <p:spPr>
           <a:xfrm>
             <a:off x="1324320" y="1753630"/>
-            <a:ext cx="5522249" cy="1583930"/>
+            <a:ext cx="5517543" cy="795260"/>
           </a:xfrm>
           <a:prstGeom prst="rect">
             <a:avLst/>
@@ -15054,10 +15369,10 @@
       </p:sp>
       <p:sp>
         <p:nvSpPr>
-          <p:cNvPr id="2" name="TextBox 1">
+          <p:cNvPr id="11" name="TextBox 10">
             <a:extLst>
               <a:ext uri="{FF2B5EF4-FFF2-40B4-BE49-F238E27FC236}">
-                <a16:creationId xmlns:a16="http://schemas.microsoft.com/office/drawing/2014/main" id="{1A3E4D82-A50D-4D1E-BF27-D21C98D0DE78}"/>
+                <a16:creationId xmlns:a16="http://schemas.microsoft.com/office/drawing/2014/main" id="{EAE44FEE-515E-43D2-A2D4-EACF808938D9}"/>
               </a:ext>
             </a:extLst>
           </p:cNvPr>
@@ -15066,7 +15381,7 @@
         </p:nvSpPr>
         <p:spPr>
           <a:xfrm>
-            <a:off x="1324319" y="2844798"/>
+            <a:off x="1295096" y="2798499"/>
             <a:ext cx="7018020" cy="3139321"/>
           </a:xfrm>
           <a:prstGeom prst="rect">
@@ -15353,7 +15668,7 @@
     </p:spTree>
     <p:extLst>
       <p:ext uri="{BB962C8B-B14F-4D97-AF65-F5344CB8AC3E}">
-        <p14:creationId xmlns:p14="http://schemas.microsoft.com/office/powerpoint/2010/main" val="3108374343"/>
+        <p14:creationId xmlns:p14="http://schemas.microsoft.com/office/powerpoint/2010/main" val="383497327"/>
       </p:ext>
     </p:extLst>
   </p:cSld>
@@ -16060,6 +16375,1213 @@
           </a:p>
         </p:txBody>
       </p:sp>
+      <p:grpSp>
+        <p:nvGrpSpPr>
+          <p:cNvPr id="23" name="Group 22">
+            <a:extLst>
+              <a:ext uri="{FF2B5EF4-FFF2-40B4-BE49-F238E27FC236}">
+                <a16:creationId xmlns:a16="http://schemas.microsoft.com/office/drawing/2014/main" id="{64B93721-934F-4F1E-A868-0B2BA110D3B5}"/>
+              </a:ext>
+              <a:ext uri="{C183D7F6-B498-43B3-948B-1728B52AA6E4}">
+                <adec:decorative xmlns:adec="http://schemas.microsoft.com/office/drawing/2017/decorative" val="1"/>
+              </a:ext>
+            </a:extLst>
+          </p:cNvPr>
+          <p:cNvGrpSpPr>
+            <a:grpSpLocks noGrp="1" noUngrp="1" noRot="1" noChangeAspect="1" noMove="1" noResize="1"/>
+          </p:cNvGrpSpPr>
+          <p:nvPr>
+            <p:extLst>
+              <p:ext uri="{386F3935-93C4-4BCD-93E2-E3B085C9AB24}">
+                <p16:designElem xmlns:p16="http://schemas.microsoft.com/office/powerpoint/2015/main" val="1"/>
+              </p:ext>
+            </p:extLst>
+          </p:nvPr>
+        </p:nvGrpSpPr>
+        <p:grpSpPr>
+          <a:xfrm>
+            <a:off x="441960" y="561256"/>
+            <a:ext cx="1128382" cy="847206"/>
+            <a:chOff x="7393391" y="1075612"/>
+            <a:chExt cx="1128382" cy="847206"/>
+          </a:xfrm>
+        </p:grpSpPr>
+        <p:sp>
+          <p:nvSpPr>
+            <p:cNvPr id="24" name="Freeform 5">
+              <a:extLst>
+                <a:ext uri="{FF2B5EF4-FFF2-40B4-BE49-F238E27FC236}">
+                  <a16:creationId xmlns:a16="http://schemas.microsoft.com/office/drawing/2014/main" id="{99494AF8-52DE-4016-B1B9-5D16974BAE24}"/>
+                </a:ext>
+                <a:ext uri="{C183D7F6-B498-43B3-948B-1728B52AA6E4}">
+                  <adec:decorative xmlns:adec="http://schemas.microsoft.com/office/drawing/2017/decorative" val="1"/>
+                </a:ext>
+              </a:extLst>
+            </p:cNvPr>
+            <p:cNvSpPr>
+              <a:spLocks/>
+            </p:cNvSpPr>
+            <p:nvPr>
+              <p:extLst>
+                <p:ext uri="{386F3935-93C4-4BCD-93E2-E3B085C9AB24}">
+                  <p16:designElem xmlns:p16="http://schemas.microsoft.com/office/powerpoint/2015/main" val="1"/>
+                </p:ext>
+              </p:extLst>
+            </p:nvPr>
+          </p:nvSpPr>
+          <p:spPr bwMode="auto">
+            <a:xfrm>
+              <a:off x="7393391" y="1327438"/>
+              <a:ext cx="675351" cy="595380"/>
+            </a:xfrm>
+            <a:custGeom>
+              <a:avLst/>
+              <a:gdLst>
+                <a:gd name="T0" fmla="*/ 225 w 785"/>
+                <a:gd name="T1" fmla="*/ 692 h 692"/>
+                <a:gd name="T2" fmla="*/ 177 w 785"/>
+                <a:gd name="T3" fmla="*/ 665 h 692"/>
+                <a:gd name="T4" fmla="*/ 9 w 785"/>
+                <a:gd name="T5" fmla="*/ 374 h 692"/>
+                <a:gd name="T6" fmla="*/ 9 w 785"/>
+                <a:gd name="T7" fmla="*/ 318 h 692"/>
+                <a:gd name="T8" fmla="*/ 177 w 785"/>
+                <a:gd name="T9" fmla="*/ 27 h 692"/>
+                <a:gd name="T10" fmla="*/ 225 w 785"/>
+                <a:gd name="T11" fmla="*/ 0 h 692"/>
+                <a:gd name="T12" fmla="*/ 561 w 785"/>
+                <a:gd name="T13" fmla="*/ 0 h 692"/>
+                <a:gd name="T14" fmla="*/ 609 w 785"/>
+                <a:gd name="T15" fmla="*/ 27 h 692"/>
+                <a:gd name="T16" fmla="*/ 777 w 785"/>
+                <a:gd name="T17" fmla="*/ 318 h 692"/>
+                <a:gd name="T18" fmla="*/ 777 w 785"/>
+                <a:gd name="T19" fmla="*/ 374 h 692"/>
+                <a:gd name="T20" fmla="*/ 609 w 785"/>
+                <a:gd name="T21" fmla="*/ 665 h 692"/>
+                <a:gd name="T22" fmla="*/ 561 w 785"/>
+                <a:gd name="T23" fmla="*/ 692 h 692"/>
+                <a:gd name="T24" fmla="*/ 225 w 785"/>
+                <a:gd name="T25" fmla="*/ 692 h 692"/>
+              </a:gdLst>
+              <a:ahLst/>
+              <a:cxnLst>
+                <a:cxn ang="0">
+                  <a:pos x="T0" y="T1"/>
+                </a:cxn>
+                <a:cxn ang="0">
+                  <a:pos x="T2" y="T3"/>
+                </a:cxn>
+                <a:cxn ang="0">
+                  <a:pos x="T4" y="T5"/>
+                </a:cxn>
+                <a:cxn ang="0">
+                  <a:pos x="T6" y="T7"/>
+                </a:cxn>
+                <a:cxn ang="0">
+                  <a:pos x="T8" y="T9"/>
+                </a:cxn>
+                <a:cxn ang="0">
+                  <a:pos x="T10" y="T11"/>
+                </a:cxn>
+                <a:cxn ang="0">
+                  <a:pos x="T12" y="T13"/>
+                </a:cxn>
+                <a:cxn ang="0">
+                  <a:pos x="T14" y="T15"/>
+                </a:cxn>
+                <a:cxn ang="0">
+                  <a:pos x="T16" y="T17"/>
+                </a:cxn>
+                <a:cxn ang="0">
+                  <a:pos x="T18" y="T19"/>
+                </a:cxn>
+                <a:cxn ang="0">
+                  <a:pos x="T20" y="T21"/>
+                </a:cxn>
+                <a:cxn ang="0">
+                  <a:pos x="T22" y="T23"/>
+                </a:cxn>
+                <a:cxn ang="0">
+                  <a:pos x="T24" y="T25"/>
+                </a:cxn>
+              </a:cxnLst>
+              <a:rect l="0" t="0" r="r" b="b"/>
+              <a:pathLst>
+                <a:path w="785" h="692">
+                  <a:moveTo>
+                    <a:pt x="225" y="692"/>
+                  </a:moveTo>
+                  <a:cubicBezTo>
+                    <a:pt x="207" y="692"/>
+                    <a:pt x="185" y="680"/>
+                    <a:pt x="177" y="665"/>
+                  </a:cubicBezTo>
+                  <a:cubicBezTo>
+                    <a:pt x="9" y="374"/>
+                    <a:pt x="9" y="374"/>
+                    <a:pt x="9" y="374"/>
+                  </a:cubicBezTo>
+                  <a:cubicBezTo>
+                    <a:pt x="0" y="358"/>
+                    <a:pt x="0" y="334"/>
+                    <a:pt x="9" y="318"/>
+                  </a:cubicBezTo>
+                  <a:cubicBezTo>
+                    <a:pt x="177" y="27"/>
+                    <a:pt x="177" y="27"/>
+                    <a:pt x="177" y="27"/>
+                  </a:cubicBezTo>
+                  <a:cubicBezTo>
+                    <a:pt x="185" y="12"/>
+                    <a:pt x="207" y="0"/>
+                    <a:pt x="225" y="0"/>
+                  </a:cubicBezTo>
+                  <a:cubicBezTo>
+                    <a:pt x="561" y="0"/>
+                    <a:pt x="561" y="0"/>
+                    <a:pt x="561" y="0"/>
+                  </a:cubicBezTo>
+                  <a:cubicBezTo>
+                    <a:pt x="578" y="0"/>
+                    <a:pt x="600" y="12"/>
+                    <a:pt x="609" y="27"/>
+                  </a:cubicBezTo>
+                  <a:cubicBezTo>
+                    <a:pt x="777" y="318"/>
+                    <a:pt x="777" y="318"/>
+                    <a:pt x="777" y="318"/>
+                  </a:cubicBezTo>
+                  <a:cubicBezTo>
+                    <a:pt x="785" y="334"/>
+                    <a:pt x="785" y="358"/>
+                    <a:pt x="777" y="374"/>
+                  </a:cubicBezTo>
+                  <a:cubicBezTo>
+                    <a:pt x="609" y="665"/>
+                    <a:pt x="609" y="665"/>
+                    <a:pt x="609" y="665"/>
+                  </a:cubicBezTo>
+                  <a:cubicBezTo>
+                    <a:pt x="600" y="680"/>
+                    <a:pt x="578" y="692"/>
+                    <a:pt x="561" y="692"/>
+                  </a:cubicBezTo>
+                  <a:lnTo>
+                    <a:pt x="225" y="692"/>
+                  </a:lnTo>
+                  <a:close/>
+                </a:path>
+              </a:pathLst>
+            </a:custGeom>
+            <a:noFill/>
+            <a:ln w="28575" cmpd="sng">
+              <a:solidFill>
+                <a:schemeClr val="tx1"/>
+              </a:solidFill>
+            </a:ln>
+          </p:spPr>
+          <p:txBody>
+            <a:bodyPr vert="horz" wrap="square" lIns="91440" tIns="45720" rIns="91440" bIns="45720" numCol="1" anchor="t" anchorCtr="0" compatLnSpc="1">
+              <a:prstTxWarp prst="textNoShape">
+                <a:avLst/>
+              </a:prstTxWarp>
+            </a:bodyPr>
+            <a:lstStyle/>
+            <a:p>
+              <a:endParaRPr lang="en-US"/>
+            </a:p>
+          </p:txBody>
+        </p:sp>
+        <p:sp>
+          <p:nvSpPr>
+            <p:cNvPr id="25" name="Freeform 5">
+              <a:extLst>
+                <a:ext uri="{FF2B5EF4-FFF2-40B4-BE49-F238E27FC236}">
+                  <a16:creationId xmlns:a16="http://schemas.microsoft.com/office/drawing/2014/main" id="{C27115E3-8DBD-460F-8EAD-44E12617413B}"/>
+                </a:ext>
+                <a:ext uri="{C183D7F6-B498-43B3-948B-1728B52AA6E4}">
+                  <adec:decorative xmlns:adec="http://schemas.microsoft.com/office/drawing/2017/decorative" val="1"/>
+                </a:ext>
+              </a:extLst>
+            </p:cNvPr>
+            <p:cNvSpPr>
+              <a:spLocks/>
+            </p:cNvSpPr>
+            <p:nvPr>
+              <p:extLst>
+                <p:ext uri="{386F3935-93C4-4BCD-93E2-E3B085C9AB24}">
+                  <p16:designElem xmlns:p16="http://schemas.microsoft.com/office/powerpoint/2015/main" val="1"/>
+                </p:ext>
+              </p:extLst>
+            </p:nvPr>
+          </p:nvSpPr>
+          <p:spPr bwMode="auto">
+            <a:xfrm>
+              <a:off x="7971281" y="1075612"/>
+              <a:ext cx="550492" cy="485306"/>
+            </a:xfrm>
+            <a:custGeom>
+              <a:avLst/>
+              <a:gdLst>
+                <a:gd name="T0" fmla="*/ 225 w 785"/>
+                <a:gd name="T1" fmla="*/ 692 h 692"/>
+                <a:gd name="T2" fmla="*/ 177 w 785"/>
+                <a:gd name="T3" fmla="*/ 665 h 692"/>
+                <a:gd name="T4" fmla="*/ 9 w 785"/>
+                <a:gd name="T5" fmla="*/ 374 h 692"/>
+                <a:gd name="T6" fmla="*/ 9 w 785"/>
+                <a:gd name="T7" fmla="*/ 318 h 692"/>
+                <a:gd name="T8" fmla="*/ 177 w 785"/>
+                <a:gd name="T9" fmla="*/ 27 h 692"/>
+                <a:gd name="T10" fmla="*/ 225 w 785"/>
+                <a:gd name="T11" fmla="*/ 0 h 692"/>
+                <a:gd name="T12" fmla="*/ 561 w 785"/>
+                <a:gd name="T13" fmla="*/ 0 h 692"/>
+                <a:gd name="T14" fmla="*/ 609 w 785"/>
+                <a:gd name="T15" fmla="*/ 27 h 692"/>
+                <a:gd name="T16" fmla="*/ 777 w 785"/>
+                <a:gd name="T17" fmla="*/ 318 h 692"/>
+                <a:gd name="T18" fmla="*/ 777 w 785"/>
+                <a:gd name="T19" fmla="*/ 374 h 692"/>
+                <a:gd name="T20" fmla="*/ 609 w 785"/>
+                <a:gd name="T21" fmla="*/ 665 h 692"/>
+                <a:gd name="T22" fmla="*/ 561 w 785"/>
+                <a:gd name="T23" fmla="*/ 692 h 692"/>
+                <a:gd name="T24" fmla="*/ 225 w 785"/>
+                <a:gd name="T25" fmla="*/ 692 h 692"/>
+              </a:gdLst>
+              <a:ahLst/>
+              <a:cxnLst>
+                <a:cxn ang="0">
+                  <a:pos x="T0" y="T1"/>
+                </a:cxn>
+                <a:cxn ang="0">
+                  <a:pos x="T2" y="T3"/>
+                </a:cxn>
+                <a:cxn ang="0">
+                  <a:pos x="T4" y="T5"/>
+                </a:cxn>
+                <a:cxn ang="0">
+                  <a:pos x="T6" y="T7"/>
+                </a:cxn>
+                <a:cxn ang="0">
+                  <a:pos x="T8" y="T9"/>
+                </a:cxn>
+                <a:cxn ang="0">
+                  <a:pos x="T10" y="T11"/>
+                </a:cxn>
+                <a:cxn ang="0">
+                  <a:pos x="T12" y="T13"/>
+                </a:cxn>
+                <a:cxn ang="0">
+                  <a:pos x="T14" y="T15"/>
+                </a:cxn>
+                <a:cxn ang="0">
+                  <a:pos x="T16" y="T17"/>
+                </a:cxn>
+                <a:cxn ang="0">
+                  <a:pos x="T18" y="T19"/>
+                </a:cxn>
+                <a:cxn ang="0">
+                  <a:pos x="T20" y="T21"/>
+                </a:cxn>
+                <a:cxn ang="0">
+                  <a:pos x="T22" y="T23"/>
+                </a:cxn>
+                <a:cxn ang="0">
+                  <a:pos x="T24" y="T25"/>
+                </a:cxn>
+              </a:cxnLst>
+              <a:rect l="0" t="0" r="r" b="b"/>
+              <a:pathLst>
+                <a:path w="785" h="692">
+                  <a:moveTo>
+                    <a:pt x="225" y="692"/>
+                  </a:moveTo>
+                  <a:cubicBezTo>
+                    <a:pt x="207" y="692"/>
+                    <a:pt x="185" y="680"/>
+                    <a:pt x="177" y="665"/>
+                  </a:cubicBezTo>
+                  <a:cubicBezTo>
+                    <a:pt x="9" y="374"/>
+                    <a:pt x="9" y="374"/>
+                    <a:pt x="9" y="374"/>
+                  </a:cubicBezTo>
+                  <a:cubicBezTo>
+                    <a:pt x="0" y="358"/>
+                    <a:pt x="0" y="334"/>
+                    <a:pt x="9" y="318"/>
+                  </a:cubicBezTo>
+                  <a:cubicBezTo>
+                    <a:pt x="177" y="27"/>
+                    <a:pt x="177" y="27"/>
+                    <a:pt x="177" y="27"/>
+                  </a:cubicBezTo>
+                  <a:cubicBezTo>
+                    <a:pt x="185" y="12"/>
+                    <a:pt x="207" y="0"/>
+                    <a:pt x="225" y="0"/>
+                  </a:cubicBezTo>
+                  <a:cubicBezTo>
+                    <a:pt x="561" y="0"/>
+                    <a:pt x="561" y="0"/>
+                    <a:pt x="561" y="0"/>
+                  </a:cubicBezTo>
+                  <a:cubicBezTo>
+                    <a:pt x="578" y="0"/>
+                    <a:pt x="600" y="12"/>
+                    <a:pt x="609" y="27"/>
+                  </a:cubicBezTo>
+                  <a:cubicBezTo>
+                    <a:pt x="777" y="318"/>
+                    <a:pt x="777" y="318"/>
+                    <a:pt x="777" y="318"/>
+                  </a:cubicBezTo>
+                  <a:cubicBezTo>
+                    <a:pt x="785" y="334"/>
+                    <a:pt x="785" y="358"/>
+                    <a:pt x="777" y="374"/>
+                  </a:cubicBezTo>
+                  <a:cubicBezTo>
+                    <a:pt x="609" y="665"/>
+                    <a:pt x="609" y="665"/>
+                    <a:pt x="609" y="665"/>
+                  </a:cubicBezTo>
+                  <a:cubicBezTo>
+                    <a:pt x="600" y="680"/>
+                    <a:pt x="578" y="692"/>
+                    <a:pt x="561" y="692"/>
+                  </a:cubicBezTo>
+                  <a:lnTo>
+                    <a:pt x="225" y="692"/>
+                  </a:lnTo>
+                  <a:close/>
+                </a:path>
+              </a:pathLst>
+            </a:custGeom>
+            <a:noFill/>
+            <a:ln w="28575" cmpd="sng">
+              <a:solidFill>
+                <a:schemeClr val="tx1"/>
+              </a:solidFill>
+            </a:ln>
+          </p:spPr>
+          <p:txBody>
+            <a:bodyPr vert="horz" wrap="square" lIns="91440" tIns="45720" rIns="91440" bIns="45720" numCol="1" anchor="t" anchorCtr="0" compatLnSpc="1">
+              <a:prstTxWarp prst="textNoShape">
+                <a:avLst/>
+              </a:prstTxWarp>
+            </a:bodyPr>
+            <a:lstStyle/>
+            <a:p>
+              <a:endParaRPr lang="en-US"/>
+            </a:p>
+          </p:txBody>
+        </p:sp>
+      </p:grpSp>
+      <p:sp>
+        <p:nvSpPr>
+          <p:cNvPr id="29" name="Title 1">
+            <a:extLst>
+              <a:ext uri="{FF2B5EF4-FFF2-40B4-BE49-F238E27FC236}">
+                <a16:creationId xmlns:a16="http://schemas.microsoft.com/office/drawing/2014/main" id="{C267868C-EA23-4F6B-8045-6EE18B5265F4}"/>
+              </a:ext>
+            </a:extLst>
+          </p:cNvPr>
+          <p:cNvSpPr txBox="1">
+            <a:spLocks/>
+          </p:cNvSpPr>
+          <p:nvPr/>
+        </p:nvSpPr>
+        <p:spPr>
+          <a:xfrm>
+            <a:off x="1324320" y="522136"/>
+            <a:ext cx="9282719" cy="1800526"/>
+          </a:xfrm>
+          <a:prstGeom prst="rect">
+            <a:avLst/>
+          </a:prstGeom>
+        </p:spPr>
+        <p:txBody>
+          <a:bodyPr vert="horz" lIns="91440" tIns="45720" rIns="91440" bIns="45720" rtlCol="0" anchor="ctr">
+            <a:normAutofit/>
+          </a:bodyPr>
+          <a:lstStyle>
+            <a:lvl1pPr algn="l" defTabSz="914400" rtl="0" eaLnBrk="1" latinLnBrk="0" hangingPunct="1">
+              <a:lnSpc>
+                <a:spcPct val="90000"/>
+              </a:lnSpc>
+              <a:spcBef>
+                <a:spcPct val="0"/>
+              </a:spcBef>
+              <a:buNone/>
+              <a:defRPr sz="4400" kern="1200">
+                <a:solidFill>
+                  <a:schemeClr val="tx1"/>
+                </a:solidFill>
+                <a:latin typeface="+mj-lt"/>
+                <a:ea typeface="+mj-ea"/>
+                <a:cs typeface="+mj-cs"/>
+              </a:defRPr>
+            </a:lvl1pPr>
+          </a:lstStyle>
+          <a:p>
+            <a:r>
+              <a:rPr lang="bg-BG" b="1" dirty="0"/>
+              <a:t>Анализ на уязвимости </a:t>
+            </a:r>
+            <a:endParaRPr lang="en-US" b="1" dirty="0"/>
+          </a:p>
+        </p:txBody>
+      </p:sp>
+      <p:pic>
+        <p:nvPicPr>
+          <p:cNvPr id="4" name="Picture 3" descr="Text&#10;&#10;Description automatically generated">
+            <a:extLst>
+              <a:ext uri="{FF2B5EF4-FFF2-40B4-BE49-F238E27FC236}">
+                <a16:creationId xmlns:a16="http://schemas.microsoft.com/office/drawing/2014/main" id="{FF624717-369C-4A5B-8779-66F253DD7068}"/>
+              </a:ext>
+            </a:extLst>
+          </p:cNvPr>
+          <p:cNvPicPr>
+            <a:picLocks noChangeAspect="1"/>
+          </p:cNvPicPr>
+          <p:nvPr/>
+        </p:nvPicPr>
+        <p:blipFill>
+          <a:blip r:embed="rId3">
+            <a:extLst>
+              <a:ext uri="{28A0092B-C50C-407E-A947-70E740481C1C}">
+                <a14:useLocalDpi xmlns:a14="http://schemas.microsoft.com/office/drawing/2010/main" val="0"/>
+              </a:ext>
+            </a:extLst>
+          </a:blip>
+          <a:stretch>
+            <a:fillRect/>
+          </a:stretch>
+        </p:blipFill>
+        <p:spPr>
+          <a:xfrm>
+            <a:off x="1324319" y="2121882"/>
+            <a:ext cx="8303659" cy="4213982"/>
+          </a:xfrm>
+          <a:prstGeom prst="rect">
+            <a:avLst/>
+          </a:prstGeom>
+        </p:spPr>
+      </p:pic>
+    </p:spTree>
+    <p:extLst>
+      <p:ext uri="{BB962C8B-B14F-4D97-AF65-F5344CB8AC3E}">
+        <p14:creationId xmlns:p14="http://schemas.microsoft.com/office/powerpoint/2010/main" val="2757511629"/>
+      </p:ext>
+    </p:extLst>
+  </p:cSld>
+  <p:clrMapOvr>
+    <a:masterClrMapping/>
+  </p:clrMapOvr>
+</p:sld>
+</file>
+
+<file path=ppt/slides/slide17.xml><?xml version="1.0" encoding="utf-8"?>
+<p:sld xmlns:a="http://schemas.openxmlformats.org/drawingml/2006/main" xmlns:r="http://schemas.openxmlformats.org/officeDocument/2006/relationships" xmlns:p="http://schemas.openxmlformats.org/presentationml/2006/main">
+  <p:cSld>
+    <p:bg>
+      <p:bgPr>
+        <a:solidFill>
+          <a:schemeClr val="bg1"/>
+        </a:solidFill>
+        <a:effectLst/>
+      </p:bgPr>
+    </p:bg>
+    <p:spTree>
+      <p:nvGrpSpPr>
+        <p:cNvPr id="1" name=""/>
+        <p:cNvGrpSpPr/>
+        <p:nvPr/>
+      </p:nvGrpSpPr>
+      <p:grpSpPr>
+        <a:xfrm>
+          <a:off x="0" y="0"/>
+          <a:ext cx="0" cy="0"/>
+          <a:chOff x="0" y="0"/>
+          <a:chExt cx="0" cy="0"/>
+        </a:xfrm>
+      </p:grpSpPr>
+      <p:sp useBgFill="1">
+        <p:nvSpPr>
+          <p:cNvPr id="19" name="Rectangle 18">
+            <a:extLst>
+              <a:ext uri="{FF2B5EF4-FFF2-40B4-BE49-F238E27FC236}">
+                <a16:creationId xmlns:a16="http://schemas.microsoft.com/office/drawing/2014/main" id="{16F9E488-0718-4E1E-9D12-26779F606252}"/>
+              </a:ext>
+              <a:ext uri="{C183D7F6-B498-43B3-948B-1728B52AA6E4}">
+                <adec:decorative xmlns:adec="http://schemas.microsoft.com/office/drawing/2017/decorative" val="1"/>
+              </a:ext>
+            </a:extLst>
+          </p:cNvPr>
+          <p:cNvSpPr>
+            <a:spLocks noGrp="1" noRot="1" noChangeAspect="1" noMove="1" noResize="1" noEditPoints="1" noAdjustHandles="1" noChangeArrowheads="1" noChangeShapeType="1" noTextEdit="1"/>
+          </p:cNvSpPr>
+          <p:nvPr>
+            <p:extLst>
+              <p:ext uri="{386F3935-93C4-4BCD-93E2-E3B085C9AB24}">
+                <p16:designElem xmlns:p16="http://schemas.microsoft.com/office/powerpoint/2015/main" val="1"/>
+              </p:ext>
+            </p:extLst>
+          </p:nvPr>
+        </p:nvSpPr>
+        <p:spPr>
+          <a:xfrm>
+            <a:off x="0" y="0"/>
+            <a:ext cx="12192000" cy="6858000"/>
+          </a:xfrm>
+          <a:prstGeom prst="rect">
+            <a:avLst/>
+          </a:prstGeom>
+          <a:ln>
+            <a:noFill/>
+          </a:ln>
+        </p:spPr>
+        <p:style>
+          <a:lnRef idx="2">
+            <a:schemeClr val="accent1">
+              <a:shade val="50000"/>
+            </a:schemeClr>
+          </a:lnRef>
+          <a:fillRef idx="1">
+            <a:schemeClr val="accent1"/>
+          </a:fillRef>
+          <a:effectRef idx="0">
+            <a:schemeClr val="accent1"/>
+          </a:effectRef>
+          <a:fontRef idx="minor">
+            <a:schemeClr val="lt1"/>
+          </a:fontRef>
+        </p:style>
+        <p:txBody>
+          <a:bodyPr rtlCol="0" anchor="ctr"/>
+          <a:lstStyle/>
+          <a:p>
+            <a:pPr algn="ctr"/>
+            <a:endParaRPr lang="en-US"/>
+          </a:p>
+        </p:txBody>
+      </p:sp>
+      <p:sp>
+        <p:nvSpPr>
+          <p:cNvPr id="21" name="Freeform: Shape 20">
+            <a:extLst>
+              <a:ext uri="{FF2B5EF4-FFF2-40B4-BE49-F238E27FC236}">
+                <a16:creationId xmlns:a16="http://schemas.microsoft.com/office/drawing/2014/main" id="{D20AEB5B-DFC7-42B4-9FAA-6B95E01D0FCE}"/>
+              </a:ext>
+              <a:ext uri="{C183D7F6-B498-43B3-948B-1728B52AA6E4}">
+                <adec:decorative xmlns:adec="http://schemas.microsoft.com/office/drawing/2017/decorative" val="1"/>
+              </a:ext>
+            </a:extLst>
+          </p:cNvPr>
+          <p:cNvSpPr>
+            <a:spLocks noGrp="1" noRot="1" noChangeAspect="1" noMove="1" noResize="1" noEditPoints="1" noAdjustHandles="1" noChangeArrowheads="1" noChangeShapeType="1" noTextEdit="1"/>
+          </p:cNvSpPr>
+          <p:nvPr>
+            <p:extLst>
+              <p:ext uri="{386F3935-93C4-4BCD-93E2-E3B085C9AB24}">
+                <p16:designElem xmlns:p16="http://schemas.microsoft.com/office/powerpoint/2015/main" val="1"/>
+              </p:ext>
+            </p:extLst>
+          </p:nvPr>
+        </p:nvSpPr>
+        <p:spPr>
+          <a:xfrm>
+            <a:off x="4715124" y="0"/>
+            <a:ext cx="7476877" cy="6858000"/>
+          </a:xfrm>
+          <a:custGeom>
+            <a:avLst/>
+            <a:gdLst>
+              <a:gd name="connsiteX0" fmla="*/ 637332 w 7476877"/>
+              <a:gd name="connsiteY0" fmla="*/ 4332728 h 6858000"/>
+              <a:gd name="connsiteX1" fmla="*/ 1576347 w 7476877"/>
+              <a:gd name="connsiteY1" fmla="*/ 4332728 h 6858000"/>
+              <a:gd name="connsiteX2" fmla="*/ 1720345 w 7476877"/>
+              <a:gd name="connsiteY2" fmla="*/ 4419228 h 6858000"/>
+              <a:gd name="connsiteX3" fmla="*/ 2190864 w 7476877"/>
+              <a:gd name="connsiteY3" fmla="*/ 5245095 h 6858000"/>
+              <a:gd name="connsiteX4" fmla="*/ 2190864 w 7476877"/>
+              <a:gd name="connsiteY4" fmla="*/ 5413976 h 6858000"/>
+              <a:gd name="connsiteX5" fmla="*/ 1720345 w 7476877"/>
+              <a:gd name="connsiteY5" fmla="*/ 6239844 h 6858000"/>
+              <a:gd name="connsiteX6" fmla="*/ 1576347 w 7476877"/>
+              <a:gd name="connsiteY6" fmla="*/ 6326343 h 6858000"/>
+              <a:gd name="connsiteX7" fmla="*/ 637332 w 7476877"/>
+              <a:gd name="connsiteY7" fmla="*/ 6326343 h 6858000"/>
+              <a:gd name="connsiteX8" fmla="*/ 491309 w 7476877"/>
+              <a:gd name="connsiteY8" fmla="*/ 6239844 h 6858000"/>
+              <a:gd name="connsiteX9" fmla="*/ 22817 w 7476877"/>
+              <a:gd name="connsiteY9" fmla="*/ 5413976 h 6858000"/>
+              <a:gd name="connsiteX10" fmla="*/ 22817 w 7476877"/>
+              <a:gd name="connsiteY10" fmla="*/ 5245095 h 6858000"/>
+              <a:gd name="connsiteX11" fmla="*/ 491309 w 7476877"/>
+              <a:gd name="connsiteY11" fmla="*/ 4419228 h 6858000"/>
+              <a:gd name="connsiteX12" fmla="*/ 637332 w 7476877"/>
+              <a:gd name="connsiteY12" fmla="*/ 4332728 h 6858000"/>
+              <a:gd name="connsiteX13" fmla="*/ 3853980 w 7476877"/>
+              <a:gd name="connsiteY13" fmla="*/ 0 h 6858000"/>
+              <a:gd name="connsiteX14" fmla="*/ 5043644 w 7476877"/>
+              <a:gd name="connsiteY14" fmla="*/ 0 h 6858000"/>
+              <a:gd name="connsiteX15" fmla="*/ 5083740 w 7476877"/>
+              <a:gd name="connsiteY15" fmla="*/ 70378 h 6858000"/>
+              <a:gd name="connsiteX16" fmla="*/ 5225307 w 7476877"/>
+              <a:gd name="connsiteY16" fmla="*/ 318859 h 6858000"/>
+              <a:gd name="connsiteX17" fmla="*/ 5225307 w 7476877"/>
+              <a:gd name="connsiteY17" fmla="*/ 577503 h 6858000"/>
+              <a:gd name="connsiteX18" fmla="*/ 4504695 w 7476877"/>
+              <a:gd name="connsiteY18" fmla="*/ 1842337 h 6858000"/>
+              <a:gd name="connsiteX19" fmla="*/ 4284162 w 7476877"/>
+              <a:gd name="connsiteY19" fmla="*/ 1974811 h 6858000"/>
+              <a:gd name="connsiteX20" fmla="*/ 2846045 w 7476877"/>
+              <a:gd name="connsiteY20" fmla="*/ 1974811 h 6858000"/>
+              <a:gd name="connsiteX21" fmla="*/ 2778342 w 7476877"/>
+              <a:gd name="connsiteY21" fmla="*/ 1965645 h 6858000"/>
+              <a:gd name="connsiteX22" fmla="*/ 2731777 w 7476877"/>
+              <a:gd name="connsiteY22" fmla="*/ 1945746 h 6858000"/>
+              <a:gd name="connsiteX23" fmla="*/ 2760233 w 7476877"/>
+              <a:gd name="connsiteY23" fmla="*/ 1895581 h 6858000"/>
+              <a:gd name="connsiteX24" fmla="*/ 3768459 w 7476877"/>
+              <a:gd name="connsiteY24" fmla="*/ 118263 h 6858000"/>
+              <a:gd name="connsiteX25" fmla="*/ 3819932 w 7476877"/>
+              <a:gd name="connsiteY25" fmla="*/ 39732 h 6858000"/>
+              <a:gd name="connsiteX26" fmla="*/ 1880237 w 7476877"/>
+              <a:gd name="connsiteY26" fmla="*/ 0 h 6858000"/>
+              <a:gd name="connsiteX27" fmla="*/ 2102124 w 7476877"/>
+              <a:gd name="connsiteY27" fmla="*/ 0 h 6858000"/>
+              <a:gd name="connsiteX28" fmla="*/ 2086946 w 7476877"/>
+              <a:gd name="connsiteY28" fmla="*/ 26756 h 6858000"/>
+              <a:gd name="connsiteX29" fmla="*/ 1911773 w 7476877"/>
+              <a:gd name="connsiteY29" fmla="*/ 335552 h 6858000"/>
+              <a:gd name="connsiteX30" fmla="*/ 1911773 w 7476877"/>
+              <a:gd name="connsiteY30" fmla="*/ 594199 h 6858000"/>
+              <a:gd name="connsiteX31" fmla="*/ 2629280 w 7476877"/>
+              <a:gd name="connsiteY31" fmla="*/ 1859030 h 6858000"/>
+              <a:gd name="connsiteX32" fmla="*/ 2723627 w 7476877"/>
+              <a:gd name="connsiteY32" fmla="*/ 1956020 h 6858000"/>
+              <a:gd name="connsiteX33" fmla="*/ 2734544 w 7476877"/>
+              <a:gd name="connsiteY33" fmla="*/ 1960685 h 6858000"/>
+              <a:gd name="connsiteX34" fmla="*/ 2676021 w 7476877"/>
+              <a:gd name="connsiteY34" fmla="*/ 2063851 h 6858000"/>
+              <a:gd name="connsiteX35" fmla="*/ 2632495 w 7476877"/>
+              <a:gd name="connsiteY35" fmla="*/ 2140578 h 6858000"/>
+              <a:gd name="connsiteX36" fmla="*/ 2677641 w 7476877"/>
+              <a:gd name="connsiteY36" fmla="*/ 2159871 h 6858000"/>
+              <a:gd name="connsiteX37" fmla="*/ 2754009 w 7476877"/>
+              <a:gd name="connsiteY37" fmla="*/ 2170210 h 6858000"/>
+              <a:gd name="connsiteX38" fmla="*/ 4376198 w 7476877"/>
+              <a:gd name="connsiteY38" fmla="*/ 2170210 h 6858000"/>
+              <a:gd name="connsiteX39" fmla="*/ 4624956 w 7476877"/>
+              <a:gd name="connsiteY39" fmla="*/ 2020780 h 6858000"/>
+              <a:gd name="connsiteX40" fmla="*/ 5437803 w 7476877"/>
+              <a:gd name="connsiteY40" fmla="*/ 594055 h 6858000"/>
+              <a:gd name="connsiteX41" fmla="*/ 5437803 w 7476877"/>
+              <a:gd name="connsiteY41" fmla="*/ 302307 h 6858000"/>
+              <a:gd name="connsiteX42" fmla="*/ 5294722 w 7476877"/>
+              <a:gd name="connsiteY42" fmla="*/ 51168 h 6858000"/>
+              <a:gd name="connsiteX43" fmla="*/ 5265570 w 7476877"/>
+              <a:gd name="connsiteY43" fmla="*/ 0 h 6858000"/>
+              <a:gd name="connsiteX44" fmla="*/ 7476877 w 7476877"/>
+              <a:gd name="connsiteY44" fmla="*/ 0 h 6858000"/>
+              <a:gd name="connsiteX45" fmla="*/ 7476877 w 7476877"/>
+              <a:gd name="connsiteY45" fmla="*/ 6858000 h 6858000"/>
+              <a:gd name="connsiteX46" fmla="*/ 3343303 w 7476877"/>
+              <a:gd name="connsiteY46" fmla="*/ 6858000 h 6858000"/>
+              <a:gd name="connsiteX47" fmla="*/ 3297958 w 7476877"/>
+              <a:gd name="connsiteY47" fmla="*/ 6778065 h 6858000"/>
+              <a:gd name="connsiteX48" fmla="*/ 1841286 w 7476877"/>
+              <a:gd name="connsiteY48" fmla="*/ 4210218 h 6858000"/>
+              <a:gd name="connsiteX49" fmla="*/ 1841286 w 7476877"/>
+              <a:gd name="connsiteY49" fmla="*/ 3515516 h 6858000"/>
+              <a:gd name="connsiteX50" fmla="*/ 2556859 w 7476877"/>
+              <a:gd name="connsiteY50" fmla="*/ 2254092 h 6858000"/>
+              <a:gd name="connsiteX51" fmla="*/ 2617166 w 7476877"/>
+              <a:gd name="connsiteY51" fmla="*/ 2147787 h 6858000"/>
+              <a:gd name="connsiteX52" fmla="*/ 2615044 w 7476877"/>
+              <a:gd name="connsiteY52" fmla="*/ 2146880 h 6858000"/>
+              <a:gd name="connsiteX53" fmla="*/ 2508620 w 7476877"/>
+              <a:gd name="connsiteY53" fmla="*/ 2037473 h 6858000"/>
+              <a:gd name="connsiteX54" fmla="*/ 1699276 w 7476877"/>
+              <a:gd name="connsiteY54" fmla="*/ 610749 h 6858000"/>
+              <a:gd name="connsiteX55" fmla="*/ 1699276 w 7476877"/>
+              <a:gd name="connsiteY55" fmla="*/ 319000 h 6858000"/>
+              <a:gd name="connsiteX56" fmla="*/ 1843322 w 7476877"/>
+              <a:gd name="connsiteY56" fmla="*/ 65075 h 6858000"/>
+            </a:gdLst>
+            <a:ahLst/>
+            <a:cxnLst>
+              <a:cxn ang="0">
+                <a:pos x="connsiteX0" y="connsiteY0"/>
+              </a:cxn>
+              <a:cxn ang="0">
+                <a:pos x="connsiteX1" y="connsiteY1"/>
+              </a:cxn>
+              <a:cxn ang="0">
+                <a:pos x="connsiteX2" y="connsiteY2"/>
+              </a:cxn>
+              <a:cxn ang="0">
+                <a:pos x="connsiteX3" y="connsiteY3"/>
+              </a:cxn>
+              <a:cxn ang="0">
+                <a:pos x="connsiteX4" y="connsiteY4"/>
+              </a:cxn>
+              <a:cxn ang="0">
+                <a:pos x="connsiteX5" y="connsiteY5"/>
+              </a:cxn>
+              <a:cxn ang="0">
+                <a:pos x="connsiteX6" y="connsiteY6"/>
+              </a:cxn>
+              <a:cxn ang="0">
+                <a:pos x="connsiteX7" y="connsiteY7"/>
+              </a:cxn>
+              <a:cxn ang="0">
+                <a:pos x="connsiteX8" y="connsiteY8"/>
+              </a:cxn>
+              <a:cxn ang="0">
+                <a:pos x="connsiteX9" y="connsiteY9"/>
+              </a:cxn>
+              <a:cxn ang="0">
+                <a:pos x="connsiteX10" y="connsiteY10"/>
+              </a:cxn>
+              <a:cxn ang="0">
+                <a:pos x="connsiteX11" y="connsiteY11"/>
+              </a:cxn>
+              <a:cxn ang="0">
+                <a:pos x="connsiteX12" y="connsiteY12"/>
+              </a:cxn>
+              <a:cxn ang="0">
+                <a:pos x="connsiteX13" y="connsiteY13"/>
+              </a:cxn>
+              <a:cxn ang="0">
+                <a:pos x="connsiteX14" y="connsiteY14"/>
+              </a:cxn>
+              <a:cxn ang="0">
+                <a:pos x="connsiteX15" y="connsiteY15"/>
+              </a:cxn>
+              <a:cxn ang="0">
+                <a:pos x="connsiteX16" y="connsiteY16"/>
+              </a:cxn>
+              <a:cxn ang="0">
+                <a:pos x="connsiteX17" y="connsiteY17"/>
+              </a:cxn>
+              <a:cxn ang="0">
+                <a:pos x="connsiteX18" y="connsiteY18"/>
+              </a:cxn>
+              <a:cxn ang="0">
+                <a:pos x="connsiteX19" y="connsiteY19"/>
+              </a:cxn>
+              <a:cxn ang="0">
+                <a:pos x="connsiteX20" y="connsiteY20"/>
+              </a:cxn>
+              <a:cxn ang="0">
+                <a:pos x="connsiteX21" y="connsiteY21"/>
+              </a:cxn>
+              <a:cxn ang="0">
+                <a:pos x="connsiteX22" y="connsiteY22"/>
+              </a:cxn>
+              <a:cxn ang="0">
+                <a:pos x="connsiteX23" y="connsiteY23"/>
+              </a:cxn>
+              <a:cxn ang="0">
+                <a:pos x="connsiteX24" y="connsiteY24"/>
+              </a:cxn>
+              <a:cxn ang="0">
+                <a:pos x="connsiteX25" y="connsiteY25"/>
+              </a:cxn>
+              <a:cxn ang="0">
+                <a:pos x="connsiteX26" y="connsiteY26"/>
+              </a:cxn>
+              <a:cxn ang="0">
+                <a:pos x="connsiteX27" y="connsiteY27"/>
+              </a:cxn>
+              <a:cxn ang="0">
+                <a:pos x="connsiteX28" y="connsiteY28"/>
+              </a:cxn>
+              <a:cxn ang="0">
+                <a:pos x="connsiteX29" y="connsiteY29"/>
+              </a:cxn>
+              <a:cxn ang="0">
+                <a:pos x="connsiteX30" y="connsiteY30"/>
+              </a:cxn>
+              <a:cxn ang="0">
+                <a:pos x="connsiteX31" y="connsiteY31"/>
+              </a:cxn>
+              <a:cxn ang="0">
+                <a:pos x="connsiteX32" y="connsiteY32"/>
+              </a:cxn>
+              <a:cxn ang="0">
+                <a:pos x="connsiteX33" y="connsiteY33"/>
+              </a:cxn>
+              <a:cxn ang="0">
+                <a:pos x="connsiteX34" y="connsiteY34"/>
+              </a:cxn>
+              <a:cxn ang="0">
+                <a:pos x="connsiteX35" y="connsiteY35"/>
+              </a:cxn>
+              <a:cxn ang="0">
+                <a:pos x="connsiteX36" y="connsiteY36"/>
+              </a:cxn>
+              <a:cxn ang="0">
+                <a:pos x="connsiteX37" y="connsiteY37"/>
+              </a:cxn>
+              <a:cxn ang="0">
+                <a:pos x="connsiteX38" y="connsiteY38"/>
+              </a:cxn>
+              <a:cxn ang="0">
+                <a:pos x="connsiteX39" y="connsiteY39"/>
+              </a:cxn>
+              <a:cxn ang="0">
+                <a:pos x="connsiteX40" y="connsiteY40"/>
+              </a:cxn>
+              <a:cxn ang="0">
+                <a:pos x="connsiteX41" y="connsiteY41"/>
+              </a:cxn>
+              <a:cxn ang="0">
+                <a:pos x="connsiteX42" y="connsiteY42"/>
+              </a:cxn>
+              <a:cxn ang="0">
+                <a:pos x="connsiteX43" y="connsiteY43"/>
+              </a:cxn>
+              <a:cxn ang="0">
+                <a:pos x="connsiteX44" y="connsiteY44"/>
+              </a:cxn>
+              <a:cxn ang="0">
+                <a:pos x="connsiteX45" y="connsiteY45"/>
+              </a:cxn>
+              <a:cxn ang="0">
+                <a:pos x="connsiteX46" y="connsiteY46"/>
+              </a:cxn>
+              <a:cxn ang="0">
+                <a:pos x="connsiteX47" y="connsiteY47"/>
+              </a:cxn>
+              <a:cxn ang="0">
+                <a:pos x="connsiteX48" y="connsiteY48"/>
+              </a:cxn>
+              <a:cxn ang="0">
+                <a:pos x="connsiteX49" y="connsiteY49"/>
+              </a:cxn>
+              <a:cxn ang="0">
+                <a:pos x="connsiteX50" y="connsiteY50"/>
+              </a:cxn>
+              <a:cxn ang="0">
+                <a:pos x="connsiteX51" y="connsiteY51"/>
+              </a:cxn>
+              <a:cxn ang="0">
+                <a:pos x="connsiteX52" y="connsiteY52"/>
+              </a:cxn>
+              <a:cxn ang="0">
+                <a:pos x="connsiteX53" y="connsiteY53"/>
+              </a:cxn>
+              <a:cxn ang="0">
+                <a:pos x="connsiteX54" y="connsiteY54"/>
+              </a:cxn>
+              <a:cxn ang="0">
+                <a:pos x="connsiteX55" y="connsiteY55"/>
+              </a:cxn>
+              <a:cxn ang="0">
+                <a:pos x="connsiteX56" y="connsiteY56"/>
+              </a:cxn>
+            </a:cxnLst>
+            <a:rect l="l" t="t" r="r" b="b"/>
+            <a:pathLst>
+              <a:path w="7476877" h="6858000">
+                <a:moveTo>
+                  <a:pt x="637332" y="4332728"/>
+                </a:moveTo>
+                <a:cubicBezTo>
+                  <a:pt x="637332" y="4332728"/>
+                  <a:pt x="637332" y="4332728"/>
+                  <a:pt x="1576347" y="4332728"/>
+                </a:cubicBezTo>
+                <a:cubicBezTo>
+                  <a:pt x="1635163" y="4332728"/>
+                  <a:pt x="1691949" y="4365681"/>
+                  <a:pt x="1720345" y="4419228"/>
+                </a:cubicBezTo>
+                <a:cubicBezTo>
+                  <a:pt x="1720345" y="4419228"/>
+                  <a:pt x="1720345" y="4419228"/>
+                  <a:pt x="2190864" y="5245095"/>
+                </a:cubicBezTo>
+                <a:cubicBezTo>
+                  <a:pt x="2221287" y="5296583"/>
+                  <a:pt x="2221287" y="5362488"/>
+                  <a:pt x="2190864" y="5413976"/>
+                </a:cubicBezTo>
+                <a:cubicBezTo>
+                  <a:pt x="2190864" y="5413976"/>
+                  <a:pt x="2190864" y="5413976"/>
+                  <a:pt x="1720345" y="6239844"/>
+                </a:cubicBezTo>
+                <a:cubicBezTo>
+                  <a:pt x="1691949" y="6293391"/>
+                  <a:pt x="1635163" y="6326343"/>
+                  <a:pt x="1576347" y="6326343"/>
+                </a:cubicBezTo>
+                <a:cubicBezTo>
+                  <a:pt x="1576347" y="6326343"/>
+                  <a:pt x="1576347" y="6326343"/>
+                  <a:pt x="637332" y="6326343"/>
+                </a:cubicBezTo>
+                <a:cubicBezTo>
+                  <a:pt x="576490" y="6326343"/>
+                  <a:pt x="521732" y="6293391"/>
+                  <a:pt x="491309" y="6239844"/>
+                </a:cubicBezTo>
+                <a:cubicBezTo>
+                  <a:pt x="491309" y="6239844"/>
+                  <a:pt x="491309" y="6239844"/>
+                  <a:pt x="22817" y="5413976"/>
+                </a:cubicBezTo>
+                <a:cubicBezTo>
+                  <a:pt x="-7605" y="5362488"/>
+                  <a:pt x="-7605" y="5296583"/>
+                  <a:pt x="22817" y="5245095"/>
+                </a:cubicBezTo>
+                <a:cubicBezTo>
+                  <a:pt x="22817" y="5245095"/>
+                  <a:pt x="22817" y="5245095"/>
+                  <a:pt x="491309" y="4419228"/>
+                </a:cubicBezTo>
+                <a:cubicBezTo>
+                  <a:pt x="521732" y="4365681"/>
+                  <a:pt x="576490" y="4332728"/>
+                  <a:pt x="637332" y="4332728"/>
+                </a:cubicBezTo>
+                <a:close/>
+                <a:moveTo>
+                  <a:pt x="3853980" y="0"/>
+                </a:moveTo>
+                <a:lnTo>
+                  <a:pt x="5043644" y="0"/>
+                </a:lnTo>
+                <a:lnTo>
+                  <a:pt x="5083740" y="70378"/>
+                </a:lnTo>
+                <a:cubicBezTo>
+                  <a:pt x="5127533" y="147245"/>
+                  <a:pt x="5174639" y="229925"/>
+                  <a:pt x="5225307" y="318859"/>
+                </a:cubicBezTo>
+                <a:cubicBezTo>
+                  <a:pt x="5271897" y="397715"/>
+                  <a:pt x="5271897" y="498649"/>
+                  <a:pt x="5225307" y="577503"/>
+                </a:cubicBezTo>
+                <a:cubicBezTo>
+                  <a:pt x="5225307" y="577503"/>
+                  <a:pt x="5225307" y="577503"/>
+                  <a:pt x="4504695" y="1842337"/>
+                </a:cubicBezTo>
+                <a:cubicBezTo>
+                  <a:pt x="4461209" y="1924345"/>
+                  <a:pt x="4374239" y="1974811"/>
+                  <a:pt x="4284162" y="1974811"/>
+                </a:cubicBezTo>
+                <a:cubicBezTo>
+                  <a:pt x="4284162" y="1974811"/>
+                  <a:pt x="4284162" y="1974811"/>
+                  <a:pt x="2846045" y="1974811"/>
+                </a:cubicBezTo>
+                <a:cubicBezTo>
+                  <a:pt x="2822750" y="1974811"/>
+                  <a:pt x="2800035" y="1971656"/>
+                  <a:pt x="2778342" y="1965645"/>
+                </a:cubicBezTo>
+                <a:lnTo>
+                  <a:pt x="2731777" y="1945746"/>
+                </a:lnTo>
+                <a:lnTo>
+                  <a:pt x="2760233" y="1895581"/>
+                </a:lnTo>
+                <a:cubicBezTo>
+                  <a:pt x="3017539" y="1441999"/>
+                  <a:pt x="3346890" y="861413"/>
+                  <a:pt x="3768459" y="118263"/>
+                </a:cubicBezTo>
+                <a:cubicBezTo>
+                  <a:pt x="3784101" y="90729"/>
+                  <a:pt x="3801308" y="64519"/>
+                  <a:pt x="3819932" y="39732"/>
+                </a:cubicBezTo>
+                <a:close/>
+                <a:moveTo>
+                  <a:pt x="1880237" y="0"/>
+                </a:moveTo>
+                <a:lnTo>
+                  <a:pt x="2102124" y="0"/>
+                </a:lnTo>
+                <a:lnTo>
+                  <a:pt x="2086946" y="26756"/>
+                </a:lnTo>
+                <a:cubicBezTo>
+                  <a:pt x="1911773" y="335552"/>
+                  <a:pt x="1911773" y="335552"/>
+                  <a:pt x="1911773" y="335552"/>
+                </a:cubicBezTo>
+                <a:cubicBezTo>
+                  <a:pt x="1865182" y="414408"/>
+                  <a:pt x="1865182" y="515344"/>
+                  <a:pt x="1911773" y="594199"/>
+                </a:cubicBezTo>
+                <a:cubicBezTo>
+                  <a:pt x="2629280" y="1859030"/>
+                  <a:pt x="2629280" y="1859030"/>
+                  <a:pt x="2629280" y="1859030"/>
+                </a:cubicBezTo>
+                <a:cubicBezTo>
+                  <a:pt x="2652576" y="1900035"/>
+                  <a:pt x="2685189" y="1933154"/>
+                  <a:pt x="2723627" y="1956020"/>
+                </a:cubicBezTo>
+                <a:lnTo>
+                  <a:pt x="2734544" y="1960685"/>
+                </a:lnTo>
+                <a:lnTo>
+                  <a:pt x="2676021" y="2063851"/>
+                </a:lnTo>
+                <a:lnTo>
+                  <a:pt x="2632495" y="2140578"/>
+                </a:lnTo>
+                <a:lnTo>
+                  <a:pt x="2677641" y="2159871"/>
+                </a:lnTo>
+                <a:cubicBezTo>
+                  <a:pt x="2702113" y="2166652"/>
+                  <a:pt x="2727732" y="2170210"/>
+                  <a:pt x="2754009" y="2170210"/>
+                </a:cubicBezTo>
+                <a:cubicBezTo>
+                  <a:pt x="4376198" y="2170210"/>
+                  <a:pt x="4376198" y="2170210"/>
+                  <a:pt x="4376198" y="2170210"/>
+                </a:cubicBezTo>
+                <a:cubicBezTo>
+                  <a:pt x="4477805" y="2170210"/>
+                  <a:pt x="4575904" y="2113286"/>
+                  <a:pt x="4624956" y="2020780"/>
+                </a:cubicBezTo>
+                <a:cubicBezTo>
+                  <a:pt x="5437803" y="594055"/>
+                  <a:pt x="5437803" y="594055"/>
+                  <a:pt x="5437803" y="594055"/>
+                </a:cubicBezTo>
+                <a:cubicBezTo>
+                  <a:pt x="5490358" y="505109"/>
+                  <a:pt x="5490358" y="391256"/>
+                  <a:pt x="5437803" y="302307"/>
+                </a:cubicBezTo>
+                <a:cubicBezTo>
+                  <a:pt x="5387000" y="213137"/>
+                  <a:pt x="5339373" y="129540"/>
+                  <a:pt x="5294722" y="51168"/>
+                </a:cubicBezTo>
+                <a:lnTo>
+                  <a:pt x="5265570" y="0"/>
+                </a:lnTo>
+                <a:lnTo>
+                  <a:pt x="7476877" y="0"/>
+                </a:lnTo>
+                <a:lnTo>
+                  <a:pt x="7476877" y="6858000"/>
+                </a:lnTo>
+                <a:lnTo>
+                  <a:pt x="3343303" y="6858000"/>
+                </a:lnTo>
+                <a:lnTo>
+                  <a:pt x="3297958" y="6778065"/>
+                </a:lnTo>
+                <a:cubicBezTo>
+                  <a:pt x="3015657" y="6280421"/>
+                  <a:pt x="2563976" y="5484189"/>
+                  <a:pt x="1841286" y="4210218"/>
+                </a:cubicBezTo>
+                <a:cubicBezTo>
+                  <a:pt x="1716144" y="3998418"/>
+                  <a:pt x="1716144" y="3727316"/>
+                  <a:pt x="1841286" y="3515516"/>
+                </a:cubicBezTo>
+                <a:cubicBezTo>
+                  <a:pt x="1841286" y="3515516"/>
+                  <a:pt x="1841286" y="3515516"/>
+                  <a:pt x="2556859" y="2254092"/>
+                </a:cubicBezTo>
+                <a:lnTo>
+                  <a:pt x="2617166" y="2147787"/>
+                </a:lnTo>
+                <a:lnTo>
+                  <a:pt x="2615044" y="2146880"/>
+                </a:lnTo>
+                <a:cubicBezTo>
+                  <a:pt x="2571686" y="2121084"/>
+                  <a:pt x="2534897" y="2083728"/>
+                  <a:pt x="2508620" y="2037473"/>
+                </a:cubicBezTo>
+                <a:cubicBezTo>
+                  <a:pt x="2508620" y="2037473"/>
+                  <a:pt x="2508620" y="2037473"/>
+                  <a:pt x="1699276" y="610749"/>
+                </a:cubicBezTo>
+                <a:cubicBezTo>
+                  <a:pt x="1646720" y="521803"/>
+                  <a:pt x="1646720" y="407950"/>
+                  <a:pt x="1699276" y="319000"/>
+                </a:cubicBezTo>
+                <a:cubicBezTo>
+                  <a:pt x="1699276" y="319000"/>
+                  <a:pt x="1699276" y="319000"/>
+                  <a:pt x="1843322" y="65075"/>
+                </a:cubicBezTo>
+                <a:close/>
+              </a:path>
+            </a:pathLst>
+          </a:custGeom>
+          <a:solidFill>
+            <a:schemeClr val="tx1">
+              <a:lumMod val="50000"/>
+              <a:lumOff val="50000"/>
+              <a:alpha val="15000"/>
+            </a:schemeClr>
+          </a:solidFill>
+          <a:ln>
+            <a:noFill/>
+          </a:ln>
+        </p:spPr>
+        <p:style>
+          <a:lnRef idx="2">
+            <a:schemeClr val="accent1">
+              <a:shade val="50000"/>
+            </a:schemeClr>
+          </a:lnRef>
+          <a:fillRef idx="1">
+            <a:schemeClr val="accent1"/>
+          </a:fillRef>
+          <a:effectRef idx="0">
+            <a:schemeClr val="accent1"/>
+          </a:effectRef>
+          <a:fontRef idx="minor">
+            <a:schemeClr val="lt1"/>
+          </a:fontRef>
+        </p:style>
+        <p:txBody>
+          <a:bodyPr wrap="square" rtlCol="0" anchor="ctr">
+            <a:noAutofit/>
+          </a:bodyPr>
+          <a:lstStyle/>
+          <a:p>
+            <a:pPr algn="ctr"/>
+            <a:endParaRPr lang="en-US"/>
+          </a:p>
+        </p:txBody>
+      </p:sp>
       <p:sp>
         <p:nvSpPr>
           <p:cNvPr id="2" name="Title 1">
@@ -16692,7 +18214,7 @@
 </p:sld>
 </file>
 
-<file path=ppt/slides/slide17.xml><?xml version="1.0" encoding="utf-8"?>
+<file path=ppt/slides/slide18.xml><?xml version="1.0" encoding="utf-8"?>
 <p:sld xmlns:a="http://schemas.openxmlformats.org/drawingml/2006/main" xmlns:r="http://schemas.openxmlformats.org/officeDocument/2006/relationships" xmlns:p="http://schemas.openxmlformats.org/presentationml/2006/main">
   <p:cSld>
     <p:bg>
@@ -19740,7 +21262,7 @@
         <p:spPr>
           <a:xfrm>
             <a:off x="1570342" y="1988641"/>
-            <a:ext cx="5804045" cy="1200329"/>
+            <a:ext cx="5804045" cy="1569660"/>
           </a:xfrm>
           <a:prstGeom prst="rect">
             <a:avLst/>
@@ -19777,6 +21299,16 @@
             <a:r>
               <a:rPr lang="bg-BG" sz="2400" dirty="0"/>
               <a:t>Зависимо от съществуваща информация</a:t>
+            </a:r>
+          </a:p>
+          <a:p>
+            <a:pPr marL="342900" indent="-342900">
+              <a:buFont typeface="Arial" panose="020B0604020202020204" pitchFamily="34" charset="0"/>
+              <a:buChar char="•"/>
+            </a:pPr>
+            <a:r>
+              <a:rPr lang="bg-BG" sz="2400" dirty="0"/>
+              <a:t>Възможност за автоматизация</a:t>
             </a:r>
             <a:endParaRPr lang="en-US" sz="2400" dirty="0"/>
           </a:p>
@@ -19796,7 +21328,7 @@
         </p:nvSpPr>
         <p:spPr>
           <a:xfrm>
-            <a:off x="1491736" y="3429000"/>
+            <a:off x="1491736" y="3643929"/>
             <a:ext cx="6295102" cy="1200329"/>
           </a:xfrm>
           <a:prstGeom prst="rect">
@@ -19833,6 +21365,42 @@
             <a:r>
               <a:rPr lang="bg-BG" sz="2400" dirty="0"/>
               <a:t>Налично единствено в едноседмичен вид</a:t>
+            </a:r>
+            <a:endParaRPr lang="en-US" sz="2400" dirty="0"/>
+          </a:p>
+        </p:txBody>
+      </p:sp>
+      <p:sp>
+        <p:nvSpPr>
+          <p:cNvPr id="10" name="TextBox 9">
+            <a:extLst>
+              <a:ext uri="{FF2B5EF4-FFF2-40B4-BE49-F238E27FC236}">
+                <a16:creationId xmlns:a16="http://schemas.microsoft.com/office/drawing/2014/main" id="{06C2D4CF-D90B-4B93-BC00-E1E84B71BF92}"/>
+              </a:ext>
+            </a:extLst>
+          </p:cNvPr>
+          <p:cNvSpPr txBox="1"/>
+          <p:nvPr/>
+        </p:nvSpPr>
+        <p:spPr>
+          <a:xfrm>
+            <a:off x="1491736" y="5151190"/>
+            <a:ext cx="6295102" cy="461665"/>
+          </a:xfrm>
+          <a:prstGeom prst="rect">
+            <a:avLst/>
+          </a:prstGeom>
+          <a:noFill/>
+        </p:spPr>
+        <p:txBody>
+          <a:bodyPr wrap="square" rtlCol="0">
+            <a:spAutoFit/>
+          </a:bodyPr>
+          <a:lstStyle/>
+          <a:p>
+            <a:r>
+              <a:rPr lang="bg-BG" sz="2400" dirty="0"/>
+              <a:t>Анализ на уязвимостите</a:t>
             </a:r>
             <a:endParaRPr lang="en-US" sz="2400" dirty="0"/>
           </a:p>
